--- a/presentation/DMI_presentattion.pptx
+++ b/presentation/DMI_presentattion.pptx
@@ -5,7 +5,7 @@
     <p:sldMasterId id="2147483696" r:id="rId1"/>
   </p:sldMasterIdLst>
   <p:notesMasterIdLst>
-    <p:notesMasterId r:id="rId14"/>
+    <p:notesMasterId r:id="rId15"/>
   </p:notesMasterIdLst>
   <p:sldIdLst>
     <p:sldId id="256" r:id="rId2"/>
@@ -16,10 +16,11 @@
     <p:sldId id="261" r:id="rId7"/>
     <p:sldId id="264" r:id="rId8"/>
     <p:sldId id="263" r:id="rId9"/>
-    <p:sldId id="266" r:id="rId10"/>
-    <p:sldId id="262" r:id="rId11"/>
-    <p:sldId id="265" r:id="rId12"/>
-    <p:sldId id="267" r:id="rId13"/>
+    <p:sldId id="268" r:id="rId10"/>
+    <p:sldId id="266" r:id="rId11"/>
+    <p:sldId id="262" r:id="rId12"/>
+    <p:sldId id="265" r:id="rId13"/>
+    <p:sldId id="267" r:id="rId14"/>
   </p:sldIdLst>
   <p:sldSz cx="12192000" cy="6858000"/>
   <p:notesSz cx="6858000" cy="9144000"/>
@@ -118,6 +119,11 @@
       </a:defRPr>
     </a:lvl9pPr>
   </p:defaultTextStyle>
+  <p:extLst>
+    <p:ext uri="{EFAFB233-063F-42B5-8137-9DF3F51BA10A}">
+      <p15:sldGuideLst xmlns:p15="http://schemas.microsoft.com/office/powerpoint/2012/main"/>
+    </p:ext>
+  </p:extLst>
 </p:presentation>
 </file>
 
@@ -203,7 +209,7 @@
           <a:p>
             <a:fld id="{54B132F1-68B4-2B45-B442-B565F7B6029E}" type="datetimeFigureOut">
               <a:rPr lang="pt-PT" smtClean="0"/>
-              <a:t>01/01/23</a:t>
+              <a:t>02/01/23</a:t>
             </a:fld>
             <a:endParaRPr lang="pt-PT"/>
           </a:p>
@@ -514,6 +520,90 @@
           <a:bodyPr/>
           <a:lstStyle/>
           <a:p>
+            <a:endParaRPr lang="pt-PT" dirty="0"/>
+          </a:p>
+        </p:txBody>
+      </p:sp>
+      <p:sp>
+        <p:nvSpPr>
+          <p:cNvPr id="4" name="Marcador de Posição do Número do Diapositivo 3"/>
+          <p:cNvSpPr>
+            <a:spLocks noGrp="1"/>
+          </p:cNvSpPr>
+          <p:nvPr>
+            <p:ph type="sldNum" sz="quarter" idx="5"/>
+          </p:nvPr>
+        </p:nvSpPr>
+        <p:spPr/>
+        <p:txBody>
+          <a:bodyPr/>
+          <a:lstStyle/>
+          <a:p>
+            <a:fld id="{06738D81-3F73-8B47-BD78-2A8408771464}" type="slidenum">
+              <a:rPr lang="pt-PT" smtClean="0"/>
+              <a:t>1</a:t>
+            </a:fld>
+            <a:endParaRPr lang="pt-PT"/>
+          </a:p>
+        </p:txBody>
+      </p:sp>
+    </p:spTree>
+    <p:extLst>
+      <p:ext uri="{BB962C8B-B14F-4D97-AF65-F5344CB8AC3E}">
+        <p14:creationId xmlns:p14="http://schemas.microsoft.com/office/powerpoint/2010/main" val="2677274118"/>
+      </p:ext>
+    </p:extLst>
+  </p:cSld>
+  <p:clrMapOvr>
+    <a:masterClrMapping/>
+  </p:clrMapOvr>
+</p:notes>
+</file>
+
+<file path=ppt/notesSlides/notesSlide2.xml><?xml version="1.0" encoding="utf-8"?>
+<p:notes xmlns:a="http://schemas.openxmlformats.org/drawingml/2006/main" xmlns:r="http://schemas.openxmlformats.org/officeDocument/2006/relationships" xmlns:p="http://schemas.openxmlformats.org/presentationml/2006/main">
+  <p:cSld>
+    <p:spTree>
+      <p:nvGrpSpPr>
+        <p:cNvPr id="1" name=""/>
+        <p:cNvGrpSpPr/>
+        <p:nvPr/>
+      </p:nvGrpSpPr>
+      <p:grpSpPr>
+        <a:xfrm>
+          <a:off x="0" y="0"/>
+          <a:ext cx="0" cy="0"/>
+          <a:chOff x="0" y="0"/>
+          <a:chExt cx="0" cy="0"/>
+        </a:xfrm>
+      </p:grpSpPr>
+      <p:sp>
+        <p:nvSpPr>
+          <p:cNvPr id="2" name="Marcador de Posição da Imagem do Diapositivo 1"/>
+          <p:cNvSpPr>
+            <a:spLocks noGrp="1" noRot="1" noChangeAspect="1"/>
+          </p:cNvSpPr>
+          <p:nvPr>
+            <p:ph type="sldImg"/>
+          </p:nvPr>
+        </p:nvSpPr>
+        <p:spPr/>
+      </p:sp>
+      <p:sp>
+        <p:nvSpPr>
+          <p:cNvPr id="3" name="Marcador de Posição de Notas 2"/>
+          <p:cNvSpPr>
+            <a:spLocks noGrp="1"/>
+          </p:cNvSpPr>
+          <p:nvPr>
+            <p:ph type="body" idx="1"/>
+          </p:nvPr>
+        </p:nvSpPr>
+        <p:spPr/>
+        <p:txBody>
+          <a:bodyPr/>
+          <a:lstStyle/>
+          <a:p>
             <a:r>
               <a:rPr lang="pt-PT" dirty="0"/>
               <a:t>O erro de previsão RMSE (</a:t>
@@ -600,7 +690,7 @@
           <a:p>
             <a:fld id="{06738D81-3F73-8B47-BD78-2A8408771464}" type="slidenum">
               <a:rPr lang="pt-PT" smtClean="0"/>
-              <a:t>9</a:t>
+              <a:t>10</a:t>
             </a:fld>
             <a:endParaRPr lang="pt-PT"/>
           </a:p>
@@ -610,6 +700,90 @@
     <p:extLst>
       <p:ext uri="{BB962C8B-B14F-4D97-AF65-F5344CB8AC3E}">
         <p14:creationId xmlns:p14="http://schemas.microsoft.com/office/powerpoint/2010/main" val="670199889"/>
+      </p:ext>
+    </p:extLst>
+  </p:cSld>
+  <p:clrMapOvr>
+    <a:masterClrMapping/>
+  </p:clrMapOvr>
+</p:notes>
+</file>
+
+<file path=ppt/notesSlides/notesSlide3.xml><?xml version="1.0" encoding="utf-8"?>
+<p:notes xmlns:a="http://schemas.openxmlformats.org/drawingml/2006/main" xmlns:r="http://schemas.openxmlformats.org/officeDocument/2006/relationships" xmlns:p="http://schemas.openxmlformats.org/presentationml/2006/main">
+  <p:cSld>
+    <p:spTree>
+      <p:nvGrpSpPr>
+        <p:cNvPr id="1" name=""/>
+        <p:cNvGrpSpPr/>
+        <p:nvPr/>
+      </p:nvGrpSpPr>
+      <p:grpSpPr>
+        <a:xfrm>
+          <a:off x="0" y="0"/>
+          <a:ext cx="0" cy="0"/>
+          <a:chOff x="0" y="0"/>
+          <a:chExt cx="0" cy="0"/>
+        </a:xfrm>
+      </p:grpSpPr>
+      <p:sp>
+        <p:nvSpPr>
+          <p:cNvPr id="2" name="Marcador de Posição da Imagem do Diapositivo 1"/>
+          <p:cNvSpPr>
+            <a:spLocks noGrp="1" noRot="1" noChangeAspect="1"/>
+          </p:cNvSpPr>
+          <p:nvPr>
+            <p:ph type="sldImg"/>
+          </p:nvPr>
+        </p:nvSpPr>
+        <p:spPr/>
+      </p:sp>
+      <p:sp>
+        <p:nvSpPr>
+          <p:cNvPr id="3" name="Marcador de Posição de Notas 2"/>
+          <p:cNvSpPr>
+            <a:spLocks noGrp="1"/>
+          </p:cNvSpPr>
+          <p:nvPr>
+            <p:ph type="body" idx="1"/>
+          </p:nvPr>
+        </p:nvSpPr>
+        <p:spPr/>
+        <p:txBody>
+          <a:bodyPr/>
+          <a:lstStyle/>
+          <a:p>
+            <a:endParaRPr lang="pt-PT" dirty="0"/>
+          </a:p>
+        </p:txBody>
+      </p:sp>
+      <p:sp>
+        <p:nvSpPr>
+          <p:cNvPr id="4" name="Marcador de Posição do Número do Diapositivo 3"/>
+          <p:cNvSpPr>
+            <a:spLocks noGrp="1"/>
+          </p:cNvSpPr>
+          <p:nvPr>
+            <p:ph type="sldNum" sz="quarter" idx="5"/>
+          </p:nvPr>
+        </p:nvSpPr>
+        <p:spPr/>
+        <p:txBody>
+          <a:bodyPr/>
+          <a:lstStyle/>
+          <a:p>
+            <a:fld id="{06738D81-3F73-8B47-BD78-2A8408771464}" type="slidenum">
+              <a:rPr lang="pt-PT" smtClean="0"/>
+              <a:t>12</a:t>
+            </a:fld>
+            <a:endParaRPr lang="pt-PT"/>
+          </a:p>
+        </p:txBody>
+      </p:sp>
+    </p:spTree>
+    <p:extLst>
+      <p:ext uri="{BB962C8B-B14F-4D97-AF65-F5344CB8AC3E}">
+        <p14:creationId xmlns:p14="http://schemas.microsoft.com/office/powerpoint/2010/main" val="736977471"/>
       </p:ext>
     </p:extLst>
   </p:cSld>
@@ -782,7 +956,7 @@
           <a:p>
             <a:fld id="{1160EA64-D806-43AC-9DF2-F8C432F32B4C}" type="datetimeFigureOut">
               <a:rPr lang="en-US" dirty="0"/>
-              <a:t>1/1/23</a:t>
+              <a:t>1/2/23</a:t>
             </a:fld>
             <a:endParaRPr lang="en-US" dirty="0"/>
           </a:p>
@@ -948,7 +1122,7 @@
           <a:p>
             <a:fld id="{E9F9C37B-1D36-470B-8223-D6C91242EC14}" type="datetimeFigureOut">
               <a:rPr lang="en-US" dirty="0"/>
-              <a:t>1/1/23</a:t>
+              <a:t>1/2/23</a:t>
             </a:fld>
             <a:endParaRPr lang="en-US" dirty="0"/>
           </a:p>
@@ -1123,7 +1297,7 @@
           <a:p>
             <a:fld id="{67C6F52A-A82B-47A2-A83A-8C4C91F2D59F}" type="datetimeFigureOut">
               <a:rPr lang="en-US" dirty="0"/>
-              <a:t>1/1/23</a:t>
+              <a:t>1/2/23</a:t>
             </a:fld>
             <a:endParaRPr lang="en-US" dirty="0"/>
           </a:p>
@@ -1288,7 +1462,7 @@
           <a:p>
             <a:fld id="{F070A7B3-6521-4DCA-87E5-044747A908C1}" type="datetimeFigureOut">
               <a:rPr lang="en-US" dirty="0"/>
-              <a:t>1/1/23</a:t>
+              <a:t>1/2/23</a:t>
             </a:fld>
             <a:endParaRPr lang="en-US" dirty="0"/>
           </a:p>
@@ -1552,7 +1726,7 @@
           <a:p>
             <a:fld id="{1160EA64-D806-43AC-9DF2-F8C432F32B4C}" type="datetimeFigureOut">
               <a:rPr lang="en-US" dirty="0"/>
-              <a:t>1/1/23</a:t>
+              <a:t>1/2/23</a:t>
             </a:fld>
             <a:endParaRPr lang="en-US" dirty="0"/>
           </a:p>
@@ -1780,7 +1954,7 @@
           <a:p>
             <a:fld id="{AB134690-1557-4C89-A502-4959FE7FAD70}" type="datetimeFigureOut">
               <a:rPr lang="en-US" dirty="0"/>
-              <a:t>1/1/23</a:t>
+              <a:t>1/2/23</a:t>
             </a:fld>
             <a:endParaRPr lang="en-US" dirty="0"/>
           </a:p>
@@ -2134,7 +2308,7 @@
           <a:p>
             <a:fld id="{4F7D4976-E339-4826-83B7-FBD03F55ECF8}" type="datetimeFigureOut">
               <a:rPr lang="en-US" dirty="0"/>
-              <a:t>1/1/23</a:t>
+              <a:t>1/2/23</a:t>
             </a:fld>
             <a:endParaRPr lang="en-US" dirty="0"/>
           </a:p>
@@ -2270,7 +2444,7 @@
           <a:p>
             <a:fld id="{E1037C31-9E7A-4F99-8774-A0E530DE1A42}" type="datetimeFigureOut">
               <a:rPr lang="en-US" dirty="0"/>
-              <a:t>1/1/23</a:t>
+              <a:t>1/2/23</a:t>
             </a:fld>
             <a:endParaRPr lang="en-US" dirty="0"/>
           </a:p>
@@ -2360,7 +2534,7 @@
           <a:p>
             <a:fld id="{C278504F-A551-4DE0-9316-4DCD1D8CC752}" type="datetimeFigureOut">
               <a:rPr lang="en-US" dirty="0"/>
-              <a:t>1/1/23</a:t>
+              <a:t>1/2/23</a:t>
             </a:fld>
             <a:endParaRPr lang="en-US" dirty="0"/>
           </a:p>
@@ -2712,7 +2886,7 @@
           <a:p>
             <a:fld id="{D1BE4249-C0D0-4B06-8692-E8BB871AF643}" type="datetimeFigureOut">
               <a:rPr lang="en-US" dirty="0"/>
-              <a:t>1/1/23</a:t>
+              <a:t>1/2/23</a:t>
             </a:fld>
             <a:endParaRPr lang="en-US" dirty="0"/>
           </a:p>
@@ -3064,7 +3238,7 @@
           <a:p>
             <a:fld id="{042B0DB6-F5C7-45FB-8CF3-31B45F9C2DAC}" type="datetimeFigureOut">
               <a:rPr lang="en-US" dirty="0"/>
-              <a:t>1/1/23</a:t>
+              <a:t>1/2/23</a:t>
             </a:fld>
             <a:endParaRPr lang="en-US" dirty="0"/>
           </a:p>
@@ -3301,7 +3475,7 @@
           <a:p>
             <a:fld id="{1160EA64-D806-43AC-9DF2-F8C432F32B4C}" type="datetimeFigureOut">
               <a:rPr lang="en-US" dirty="0"/>
-              <a:t>1/1/23</a:t>
+              <a:t>1/2/23</a:t>
             </a:fld>
             <a:endParaRPr lang="en-US" dirty="0"/>
           </a:p>
@@ -4148,6 +4322,1199 @@
           <a:chExt cx="0" cy="0"/>
         </a:xfrm>
       </p:grpSpPr>
+      <p:sp useBgFill="1">
+        <p:nvSpPr>
+          <p:cNvPr id="17" name="Rectangle 16">
+            <a:extLst>
+              <a:ext uri="{FF2B5EF4-FFF2-40B4-BE49-F238E27FC236}">
+                <a16:creationId xmlns:a16="http://schemas.microsoft.com/office/drawing/2014/main" id="{1660E788-AFA9-4A1B-9991-6AA74632A15B}"/>
+              </a:ext>
+              <a:ext uri="{C183D7F6-B498-43B3-948B-1728B52AA6E4}">
+                <adec:decorative xmlns:adec="http://schemas.microsoft.com/office/drawing/2017/decorative" val="1"/>
+              </a:ext>
+            </a:extLst>
+          </p:cNvPr>
+          <p:cNvSpPr>
+            <a:spLocks noGrp="1" noRot="1" noChangeAspect="1" noMove="1" noResize="1" noEditPoints="1" noAdjustHandles="1" noChangeArrowheads="1" noChangeShapeType="1" noTextEdit="1"/>
+          </p:cNvSpPr>
+          <p:nvPr>
+            <p:extLst>
+              <p:ext uri="{386F3935-93C4-4BCD-93E2-E3B085C9AB24}">
+                <p16:designElem xmlns:p16="http://schemas.microsoft.com/office/powerpoint/2015/main" val="1"/>
+              </p:ext>
+            </p:extLst>
+          </p:nvPr>
+        </p:nvSpPr>
+        <p:spPr>
+          <a:xfrm>
+            <a:off x="0" y="0"/>
+            <a:ext cx="12191999" cy="6858000"/>
+          </a:xfrm>
+          <a:prstGeom prst="rect">
+            <a:avLst/>
+          </a:prstGeom>
+          <a:ln>
+            <a:noFill/>
+          </a:ln>
+        </p:spPr>
+        <p:style>
+          <a:lnRef idx="2">
+            <a:schemeClr val="accent1">
+              <a:shade val="50000"/>
+            </a:schemeClr>
+          </a:lnRef>
+          <a:fillRef idx="1">
+            <a:schemeClr val="accent1"/>
+          </a:fillRef>
+          <a:effectRef idx="0">
+            <a:schemeClr val="accent1"/>
+          </a:effectRef>
+          <a:fontRef idx="minor">
+            <a:schemeClr val="lt1"/>
+          </a:fontRef>
+        </p:style>
+        <p:txBody>
+          <a:bodyPr rtlCol="0" anchor="ctr"/>
+          <a:lstStyle/>
+          <a:p>
+            <a:pPr algn="ctr"/>
+            <a:endParaRPr lang="en-US"/>
+          </a:p>
+        </p:txBody>
+      </p:sp>
+      <p:sp>
+        <p:nvSpPr>
+          <p:cNvPr id="19" name="Rectangle 18">
+            <a:extLst>
+              <a:ext uri="{FF2B5EF4-FFF2-40B4-BE49-F238E27FC236}">
+                <a16:creationId xmlns:a16="http://schemas.microsoft.com/office/drawing/2014/main" id="{867D4867-5BA7-4462-B2F6-A23F4A622AA7}"/>
+              </a:ext>
+              <a:ext uri="{C183D7F6-B498-43B3-948B-1728B52AA6E4}">
+                <adec:decorative xmlns:adec="http://schemas.microsoft.com/office/drawing/2017/decorative" val="1"/>
+              </a:ext>
+            </a:extLst>
+          </p:cNvPr>
+          <p:cNvSpPr>
+            <a:spLocks noGrp="1" noRot="1" noChangeAspect="1" noMove="1" noResize="1" noEditPoints="1" noAdjustHandles="1" noChangeArrowheads="1" noChangeShapeType="1" noTextEdit="1"/>
+          </p:cNvSpPr>
+          <p:nvPr>
+            <p:extLst>
+              <p:ext uri="{386F3935-93C4-4BCD-93E2-E3B085C9AB24}">
+                <p16:designElem xmlns:p16="http://schemas.microsoft.com/office/powerpoint/2015/main" val="1"/>
+              </p:ext>
+            </p:extLst>
+          </p:nvPr>
+        </p:nvSpPr>
+        <p:spPr>
+          <a:xfrm>
+            <a:off x="-1" y="0"/>
+            <a:ext cx="7544653" cy="6858000"/>
+          </a:xfrm>
+          <a:prstGeom prst="rect">
+            <a:avLst/>
+          </a:prstGeom>
+          <a:solidFill>
+            <a:schemeClr val="tx2"/>
+          </a:solidFill>
+          <a:ln>
+            <a:noFill/>
+          </a:ln>
+        </p:spPr>
+        <p:style>
+          <a:lnRef idx="0">
+            <a:scrgbClr r="0" g="0" b="0"/>
+          </a:lnRef>
+          <a:fillRef idx="0">
+            <a:scrgbClr r="0" g="0" b="0"/>
+          </a:fillRef>
+          <a:effectRef idx="0">
+            <a:scrgbClr r="0" g="0" b="0"/>
+          </a:effectRef>
+          <a:fontRef idx="minor">
+            <a:schemeClr val="lt1"/>
+          </a:fontRef>
+        </p:style>
+        <p:txBody>
+          <a:bodyPr rtlCol="0" anchor="ctr"/>
+          <a:lstStyle/>
+          <a:p>
+            <a:pPr algn="ctr"/>
+            <a:endParaRPr lang="en-US"/>
+          </a:p>
+        </p:txBody>
+      </p:sp>
+      <p:sp>
+        <p:nvSpPr>
+          <p:cNvPr id="2" name="Título 1">
+            <a:extLst>
+              <a:ext uri="{FF2B5EF4-FFF2-40B4-BE49-F238E27FC236}">
+                <a16:creationId xmlns:a16="http://schemas.microsoft.com/office/drawing/2014/main" id="{7D84ABC7-5C5D-5AAF-65B8-B73BB6EA139E}"/>
+              </a:ext>
+            </a:extLst>
+          </p:cNvPr>
+          <p:cNvSpPr>
+            <a:spLocks noGrp="1"/>
+          </p:cNvSpPr>
+          <p:nvPr>
+            <p:ph type="title"/>
+          </p:nvPr>
+        </p:nvSpPr>
+        <p:spPr>
+          <a:xfrm>
+            <a:off x="643466" y="643467"/>
+            <a:ext cx="6242719" cy="1728044"/>
+          </a:xfrm>
+          <a:noFill/>
+          <a:ln>
+            <a:solidFill>
+              <a:schemeClr val="bg1"/>
+            </a:solidFill>
+          </a:ln>
+        </p:spPr>
+        <p:txBody>
+          <a:bodyPr wrap="square">
+            <a:normAutofit/>
+          </a:bodyPr>
+          <a:lstStyle/>
+          <a:p>
+            <a:r>
+              <a:rPr lang="pt-PT" dirty="0" err="1">
+                <a:solidFill>
+                  <a:schemeClr val="bg1"/>
+                </a:solidFill>
+                <a:latin typeface="-apple-system"/>
+              </a:rPr>
+              <a:t>P</a:t>
+            </a:r>
+            <a:r>
+              <a:rPr lang="pt-PT" b="0" i="0" u="none" strike="noStrike" dirty="0" err="1">
+                <a:solidFill>
+                  <a:schemeClr val="bg1"/>
+                </a:solidFill>
+                <a:effectLst/>
+                <a:latin typeface="-apple-system"/>
+              </a:rPr>
+              <a:t>redictive</a:t>
+            </a:r>
+            <a:r>
+              <a:rPr lang="pt-PT" b="0" i="0" u="none" strike="noStrike" dirty="0">
+                <a:solidFill>
+                  <a:schemeClr val="bg1"/>
+                </a:solidFill>
+                <a:effectLst/>
+                <a:latin typeface="-apple-system"/>
+              </a:rPr>
+              <a:t> </a:t>
+            </a:r>
+            <a:r>
+              <a:rPr lang="pt-PT" dirty="0" err="1">
+                <a:solidFill>
+                  <a:schemeClr val="bg1"/>
+                </a:solidFill>
+                <a:latin typeface="-apple-system"/>
+              </a:rPr>
+              <a:t>M</a:t>
+            </a:r>
+            <a:r>
+              <a:rPr lang="pt-PT" b="0" i="0" u="none" strike="noStrike" dirty="0" err="1">
+                <a:solidFill>
+                  <a:schemeClr val="bg1"/>
+                </a:solidFill>
+                <a:effectLst/>
+                <a:latin typeface="-apple-system"/>
+              </a:rPr>
+              <a:t>odelling</a:t>
+            </a:r>
+            <a:br>
+              <a:rPr lang="pt-PT" b="0" i="0" u="none" strike="noStrike" dirty="0">
+                <a:solidFill>
+                  <a:schemeClr val="bg1"/>
+                </a:solidFill>
+                <a:effectLst/>
+                <a:latin typeface="-apple-system"/>
+              </a:rPr>
+            </a:br>
+            <a:r>
+              <a:rPr lang="pt-PT" b="0" i="0" u="none" strike="noStrike" dirty="0">
+                <a:solidFill>
+                  <a:schemeClr val="bg1"/>
+                </a:solidFill>
+                <a:effectLst/>
+                <a:latin typeface="-apple-system"/>
+              </a:rPr>
+              <a:t>(LASSO REGRESSION) </a:t>
+            </a:r>
+            <a:endParaRPr lang="pt-PT" dirty="0">
+              <a:solidFill>
+                <a:schemeClr val="bg1"/>
+              </a:solidFill>
+            </a:endParaRPr>
+          </a:p>
+        </p:txBody>
+      </p:sp>
+      <p:sp>
+        <p:nvSpPr>
+          <p:cNvPr id="3" name="Marcador de Posição de Conteúdo 2">
+            <a:extLst>
+              <a:ext uri="{FF2B5EF4-FFF2-40B4-BE49-F238E27FC236}">
+                <a16:creationId xmlns:a16="http://schemas.microsoft.com/office/drawing/2014/main" id="{24DB98FE-DF2B-25EF-2F99-C40D8E9F3A16}"/>
+              </a:ext>
+            </a:extLst>
+          </p:cNvPr>
+          <p:cNvSpPr>
+            <a:spLocks noGrp="1"/>
+          </p:cNvSpPr>
+          <p:nvPr>
+            <p:ph idx="1"/>
+          </p:nvPr>
+        </p:nvSpPr>
+        <p:spPr>
+          <a:xfrm>
+            <a:off x="643467" y="2638043"/>
+            <a:ext cx="6242715" cy="3576489"/>
+          </a:xfrm>
+        </p:spPr>
+        <p:txBody>
+          <a:bodyPr>
+            <a:normAutofit fontScale="85000" lnSpcReduction="10000"/>
+          </a:bodyPr>
+          <a:lstStyle/>
+          <a:p>
+            <a:r>
+              <a:rPr lang="pt-PT" dirty="0">
+                <a:solidFill>
+                  <a:schemeClr val="bg1"/>
+                </a:solidFill>
+              </a:rPr>
+              <a:t>Usando as colunas que foram avaliadas como mais importantes:</a:t>
+            </a:r>
+          </a:p>
+          <a:p>
+            <a:pPr marL="0" indent="0" algn="just">
+              <a:spcBef>
+                <a:spcPts val="0"/>
+              </a:spcBef>
+              <a:buNone/>
+            </a:pPr>
+            <a:r>
+              <a:rPr lang="pt-PT" dirty="0" err="1">
+                <a:solidFill>
+                  <a:schemeClr val="bg1">
+                    <a:lumMod val="65000"/>
+                  </a:schemeClr>
+                </a:solidFill>
+              </a:rPr>
+              <a:t>model_glm_lasso</a:t>
+            </a:r>
+            <a:r>
+              <a:rPr lang="pt-PT" dirty="0">
+                <a:solidFill>
+                  <a:schemeClr val="bg1">
+                    <a:lumMod val="65000"/>
+                  </a:schemeClr>
+                </a:solidFill>
+              </a:rPr>
+              <a:t> &lt;- </a:t>
+            </a:r>
+            <a:r>
+              <a:rPr lang="pt-PT" dirty="0" err="1">
+                <a:solidFill>
+                  <a:schemeClr val="bg1">
+                    <a:lumMod val="65000"/>
+                  </a:schemeClr>
+                </a:solidFill>
+              </a:rPr>
+              <a:t>linear_reg</a:t>
+            </a:r>
+            <a:r>
+              <a:rPr lang="pt-PT" dirty="0">
+                <a:solidFill>
+                  <a:schemeClr val="bg1">
+                    <a:lumMod val="65000"/>
+                  </a:schemeClr>
+                </a:solidFill>
+              </a:rPr>
+              <a:t>(</a:t>
+            </a:r>
+            <a:r>
+              <a:rPr lang="pt-PT" dirty="0" err="1">
+                <a:solidFill>
+                  <a:schemeClr val="bg1">
+                    <a:lumMod val="65000"/>
+                  </a:schemeClr>
+                </a:solidFill>
+              </a:rPr>
+              <a:t>engine</a:t>
+            </a:r>
+            <a:r>
+              <a:rPr lang="pt-PT" dirty="0">
+                <a:solidFill>
+                  <a:schemeClr val="bg1">
+                    <a:lumMod val="65000"/>
+                  </a:schemeClr>
+                </a:solidFill>
+              </a:rPr>
+              <a:t>="</a:t>
+            </a:r>
+            <a:r>
+              <a:rPr lang="pt-PT" dirty="0" err="1">
+                <a:solidFill>
+                  <a:schemeClr val="bg1">
+                    <a:lumMod val="65000"/>
+                  </a:schemeClr>
+                </a:solidFill>
+              </a:rPr>
+              <a:t>glmnet</a:t>
+            </a:r>
+            <a:r>
+              <a:rPr lang="pt-PT" dirty="0">
+                <a:solidFill>
+                  <a:schemeClr val="bg1">
+                    <a:lumMod val="65000"/>
+                  </a:schemeClr>
+                </a:solidFill>
+              </a:rPr>
+              <a:t>",penalty = 10^-2,mixture=1) </a:t>
+            </a:r>
+          </a:p>
+          <a:p>
+            <a:pPr marL="0" indent="0" algn="just">
+              <a:spcBef>
+                <a:spcPts val="0"/>
+              </a:spcBef>
+              <a:buNone/>
+            </a:pPr>
+            <a:endParaRPr lang="pt-PT" dirty="0">
+              <a:solidFill>
+                <a:schemeClr val="bg1">
+                  <a:lumMod val="65000"/>
+                </a:schemeClr>
+              </a:solidFill>
+            </a:endParaRPr>
+          </a:p>
+          <a:p>
+            <a:pPr marL="0" indent="0" algn="just">
+              <a:spcBef>
+                <a:spcPts val="0"/>
+              </a:spcBef>
+              <a:buNone/>
+            </a:pPr>
+            <a:r>
+              <a:rPr lang="pt-PT" dirty="0" err="1">
+                <a:solidFill>
+                  <a:schemeClr val="bg1">
+                    <a:lumMod val="65000"/>
+                  </a:schemeClr>
+                </a:solidFill>
+              </a:rPr>
+              <a:t>glm_lasso_fit</a:t>
+            </a:r>
+            <a:r>
+              <a:rPr lang="pt-PT" dirty="0">
+                <a:solidFill>
+                  <a:schemeClr val="bg1">
+                    <a:lumMod val="65000"/>
+                  </a:schemeClr>
+                </a:solidFill>
+              </a:rPr>
+              <a:t> &lt;- </a:t>
+            </a:r>
+            <a:r>
+              <a:rPr lang="pt-PT" dirty="0" err="1">
+                <a:solidFill>
+                  <a:schemeClr val="bg1">
+                    <a:lumMod val="65000"/>
+                  </a:schemeClr>
+                </a:solidFill>
+              </a:rPr>
+              <a:t>model_glm_lasso</a:t>
+            </a:r>
+            <a:r>
+              <a:rPr lang="pt-PT" dirty="0">
+                <a:solidFill>
+                  <a:schemeClr val="bg1">
+                    <a:lumMod val="65000"/>
+                  </a:schemeClr>
+                </a:solidFill>
+              </a:rPr>
+              <a:t> %&gt;%</a:t>
+            </a:r>
+          </a:p>
+          <a:p>
+            <a:pPr marL="0" indent="0" algn="just">
+              <a:spcBef>
+                <a:spcPts val="0"/>
+              </a:spcBef>
+              <a:buNone/>
+            </a:pPr>
+            <a:r>
+              <a:rPr lang="pt-PT" dirty="0">
+                <a:solidFill>
+                  <a:schemeClr val="bg1">
+                    <a:lumMod val="65000"/>
+                  </a:schemeClr>
+                </a:solidFill>
+              </a:rPr>
+              <a:t>  </a:t>
+            </a:r>
+            <a:r>
+              <a:rPr lang="pt-PT" dirty="0" err="1">
+                <a:solidFill>
+                  <a:schemeClr val="bg1">
+                    <a:lumMod val="65000"/>
+                  </a:schemeClr>
+                </a:solidFill>
+              </a:rPr>
+              <a:t>fit</a:t>
+            </a:r>
+            <a:r>
+              <a:rPr lang="pt-PT" dirty="0">
+                <a:solidFill>
+                  <a:schemeClr val="bg1">
+                    <a:lumMod val="65000"/>
+                  </a:schemeClr>
+                </a:solidFill>
+              </a:rPr>
+              <a:t>(</a:t>
+            </a:r>
+            <a:r>
+              <a:rPr lang="pt-PT" dirty="0" err="1">
+                <a:solidFill>
+                  <a:schemeClr val="bg1">
+                    <a:lumMod val="65000"/>
+                  </a:schemeClr>
+                </a:solidFill>
+              </a:rPr>
+              <a:t>intentional_cause</a:t>
+            </a:r>
+            <a:r>
+              <a:rPr lang="pt-PT" dirty="0">
+                <a:solidFill>
+                  <a:schemeClr val="bg1">
+                    <a:lumMod val="65000"/>
+                  </a:schemeClr>
+                </a:solidFill>
+              </a:rPr>
+              <a:t> ~ </a:t>
+            </a:r>
+            <a:r>
+              <a:rPr lang="pt-PT" dirty="0" err="1">
+                <a:solidFill>
+                  <a:schemeClr val="bg1">
+                    <a:lumMod val="65000"/>
+                  </a:schemeClr>
+                </a:solidFill>
+              </a:rPr>
+              <a:t>district</a:t>
+            </a:r>
+            <a:r>
+              <a:rPr lang="pt-PT" dirty="0">
+                <a:solidFill>
+                  <a:schemeClr val="bg1">
+                    <a:lumMod val="65000"/>
+                  </a:schemeClr>
+                </a:solidFill>
+              </a:rPr>
+              <a:t> + </a:t>
+            </a:r>
+            <a:r>
+              <a:rPr lang="pt-PT" dirty="0" err="1">
+                <a:solidFill>
+                  <a:schemeClr val="bg1">
+                    <a:lumMod val="65000"/>
+                  </a:schemeClr>
+                </a:solidFill>
+              </a:rPr>
+              <a:t>TemperatureCMax</a:t>
+            </a:r>
+            <a:r>
+              <a:rPr lang="pt-PT" dirty="0">
+                <a:solidFill>
+                  <a:schemeClr val="bg1">
+                    <a:lumMod val="65000"/>
+                  </a:schemeClr>
+                </a:solidFill>
+              </a:rPr>
+              <a:t> + </a:t>
+            </a:r>
+            <a:r>
+              <a:rPr lang="pt-PT" dirty="0" err="1">
+                <a:solidFill>
+                  <a:schemeClr val="bg1">
+                    <a:lumMod val="65000"/>
+                  </a:schemeClr>
+                </a:solidFill>
+              </a:rPr>
+              <a:t>WindkmhInt</a:t>
+            </a:r>
+            <a:r>
+              <a:rPr lang="pt-PT" dirty="0">
+                <a:solidFill>
+                  <a:schemeClr val="bg1">
+                    <a:lumMod val="65000"/>
+                  </a:schemeClr>
+                </a:solidFill>
+              </a:rPr>
+              <a:t> + </a:t>
+            </a:r>
+            <a:r>
+              <a:rPr lang="pt-PT" dirty="0" err="1">
+                <a:solidFill>
+                  <a:schemeClr val="bg1">
+                    <a:lumMod val="65000"/>
+                  </a:schemeClr>
+                </a:solidFill>
+              </a:rPr>
+              <a:t>TemperatureCAvg</a:t>
+            </a:r>
+            <a:r>
+              <a:rPr lang="pt-PT" dirty="0">
+                <a:solidFill>
+                  <a:schemeClr val="bg1">
+                    <a:lumMod val="65000"/>
+                  </a:schemeClr>
+                </a:solidFill>
+              </a:rPr>
+              <a:t> + </a:t>
+            </a:r>
+            <a:r>
+              <a:rPr lang="pt-PT" dirty="0" err="1">
+                <a:solidFill>
+                  <a:schemeClr val="bg1">
+                    <a:lumMod val="65000"/>
+                  </a:schemeClr>
+                </a:solidFill>
+              </a:rPr>
+              <a:t>TemperatureCMin</a:t>
+            </a:r>
+            <a:r>
+              <a:rPr lang="pt-PT" dirty="0">
+                <a:solidFill>
+                  <a:schemeClr val="bg1">
+                    <a:lumMod val="65000"/>
+                  </a:schemeClr>
+                </a:solidFill>
+              </a:rPr>
+              <a:t> + </a:t>
+            </a:r>
+            <a:r>
+              <a:rPr lang="pt-PT" dirty="0" err="1">
+                <a:solidFill>
+                  <a:schemeClr val="bg1">
+                    <a:lumMod val="65000"/>
+                  </a:schemeClr>
+                </a:solidFill>
+              </a:rPr>
+              <a:t>village_area</a:t>
+            </a:r>
+            <a:r>
+              <a:rPr lang="pt-PT" dirty="0">
+                <a:solidFill>
+                  <a:schemeClr val="bg1">
+                    <a:lumMod val="65000"/>
+                  </a:schemeClr>
+                </a:solidFill>
+              </a:rPr>
+              <a:t> + </a:t>
+            </a:r>
+            <a:r>
+              <a:rPr lang="pt-PT" dirty="0" err="1">
+                <a:solidFill>
+                  <a:schemeClr val="bg1">
+                    <a:lumMod val="65000"/>
+                  </a:schemeClr>
+                </a:solidFill>
+              </a:rPr>
+              <a:t>extinction_hour</a:t>
+            </a:r>
+            <a:r>
+              <a:rPr lang="pt-PT" dirty="0">
+                <a:solidFill>
+                  <a:schemeClr val="bg1">
+                    <a:lumMod val="65000"/>
+                  </a:schemeClr>
+                </a:solidFill>
+              </a:rPr>
+              <a:t> + </a:t>
+            </a:r>
+            <a:r>
+              <a:rPr lang="pt-PT" dirty="0" err="1">
+                <a:solidFill>
+                  <a:schemeClr val="bg1">
+                    <a:lumMod val="65000"/>
+                  </a:schemeClr>
+                </a:solidFill>
+              </a:rPr>
+              <a:t>farming_area</a:t>
+            </a:r>
+            <a:r>
+              <a:rPr lang="pt-PT" dirty="0">
+                <a:solidFill>
+                  <a:schemeClr val="bg1">
+                    <a:lumMod val="65000"/>
+                  </a:schemeClr>
+                </a:solidFill>
+              </a:rPr>
+              <a:t> + </a:t>
+            </a:r>
+            <a:r>
+              <a:rPr lang="pt-PT" dirty="0" err="1">
+                <a:solidFill>
+                  <a:schemeClr val="bg1">
+                    <a:lumMod val="65000"/>
+                  </a:schemeClr>
+                </a:solidFill>
+              </a:rPr>
+              <a:t>village_veget_area</a:t>
+            </a:r>
+            <a:r>
+              <a:rPr lang="pt-PT" dirty="0">
+                <a:solidFill>
+                  <a:schemeClr val="bg1">
+                    <a:lumMod val="65000"/>
+                  </a:schemeClr>
+                </a:solidFill>
+              </a:rPr>
+              <a:t>, data = </a:t>
+            </a:r>
+            <a:r>
+              <a:rPr lang="pt-PT" dirty="0" err="1">
+                <a:solidFill>
+                  <a:schemeClr val="bg1">
+                    <a:lumMod val="65000"/>
+                  </a:schemeClr>
+                </a:solidFill>
+              </a:rPr>
+              <a:t>fire_train</a:t>
+            </a:r>
+            <a:r>
+              <a:rPr lang="pt-PT" dirty="0">
+                <a:solidFill>
+                  <a:schemeClr val="bg1">
+                    <a:lumMod val="65000"/>
+                  </a:schemeClr>
+                </a:solidFill>
+              </a:rPr>
+              <a:t>) </a:t>
+            </a:r>
+          </a:p>
+          <a:p>
+            <a:pPr marL="0" indent="0" algn="just">
+              <a:spcBef>
+                <a:spcPts val="0"/>
+              </a:spcBef>
+              <a:buNone/>
+            </a:pPr>
+            <a:endParaRPr lang="pt-PT" dirty="0">
+              <a:solidFill>
+                <a:schemeClr val="bg1">
+                  <a:lumMod val="65000"/>
+                </a:schemeClr>
+              </a:solidFill>
+            </a:endParaRPr>
+          </a:p>
+          <a:p>
+            <a:pPr marL="0" indent="0" algn="just">
+              <a:spcBef>
+                <a:spcPts val="0"/>
+              </a:spcBef>
+              <a:buNone/>
+            </a:pPr>
+            <a:r>
+              <a:rPr lang="pt-PT" dirty="0" err="1">
+                <a:solidFill>
+                  <a:schemeClr val="bg1">
+                    <a:lumMod val="65000"/>
+                  </a:schemeClr>
+                </a:solidFill>
+              </a:rPr>
+              <a:t>glm_lasso_preds</a:t>
+            </a:r>
+            <a:r>
+              <a:rPr lang="pt-PT" dirty="0">
+                <a:solidFill>
+                  <a:schemeClr val="bg1">
+                    <a:lumMod val="65000"/>
+                  </a:schemeClr>
+                </a:solidFill>
+              </a:rPr>
+              <a:t> &lt;-</a:t>
+            </a:r>
+          </a:p>
+          <a:p>
+            <a:pPr marL="0" indent="0" algn="just">
+              <a:spcBef>
+                <a:spcPts val="0"/>
+              </a:spcBef>
+              <a:buNone/>
+            </a:pPr>
+            <a:r>
+              <a:rPr lang="pt-PT" dirty="0">
+                <a:solidFill>
+                  <a:schemeClr val="bg1">
+                    <a:lumMod val="65000"/>
+                  </a:schemeClr>
+                </a:solidFill>
+              </a:rPr>
+              <a:t>  </a:t>
+            </a:r>
+            <a:r>
+              <a:rPr lang="pt-PT" dirty="0" err="1">
+                <a:solidFill>
+                  <a:schemeClr val="bg1">
+                    <a:lumMod val="65000"/>
+                  </a:schemeClr>
+                </a:solidFill>
+              </a:rPr>
+              <a:t>fire_test</a:t>
+            </a:r>
+            <a:r>
+              <a:rPr lang="pt-PT" dirty="0">
+                <a:solidFill>
+                  <a:schemeClr val="bg1">
+                    <a:lumMod val="65000"/>
+                  </a:schemeClr>
+                </a:solidFill>
+              </a:rPr>
+              <a:t> %&gt;% </a:t>
+            </a:r>
+            <a:r>
+              <a:rPr lang="pt-PT" dirty="0" err="1">
+                <a:solidFill>
+                  <a:schemeClr val="bg1">
+                    <a:lumMod val="65000"/>
+                  </a:schemeClr>
+                </a:solidFill>
+              </a:rPr>
+              <a:t>dplyr</a:t>
+            </a:r>
+            <a:r>
+              <a:rPr lang="pt-PT" dirty="0">
+                <a:solidFill>
+                  <a:schemeClr val="bg1">
+                    <a:lumMod val="65000"/>
+                  </a:schemeClr>
+                </a:solidFill>
+              </a:rPr>
+              <a:t>::</a:t>
+            </a:r>
+            <a:r>
+              <a:rPr lang="pt-PT" dirty="0" err="1">
+                <a:solidFill>
+                  <a:schemeClr val="bg1">
+                    <a:lumMod val="65000"/>
+                  </a:schemeClr>
+                </a:solidFill>
+              </a:rPr>
+              <a:t>select</a:t>
+            </a:r>
+            <a:r>
+              <a:rPr lang="pt-PT" dirty="0">
+                <a:solidFill>
+                  <a:schemeClr val="bg1">
+                    <a:lumMod val="65000"/>
+                  </a:schemeClr>
+                </a:solidFill>
+              </a:rPr>
+              <a:t>(</a:t>
+            </a:r>
+            <a:r>
+              <a:rPr lang="pt-PT" dirty="0" err="1">
+                <a:solidFill>
+                  <a:schemeClr val="bg1">
+                    <a:lumMod val="65000"/>
+                  </a:schemeClr>
+                </a:solidFill>
+              </a:rPr>
+              <a:t>intentional_cause</a:t>
+            </a:r>
+            <a:r>
+              <a:rPr lang="pt-PT" dirty="0">
+                <a:solidFill>
+                  <a:schemeClr val="bg1">
+                    <a:lumMod val="65000"/>
+                  </a:schemeClr>
+                </a:solidFill>
+              </a:rPr>
+              <a:t>) %&gt;% </a:t>
+            </a:r>
+            <a:r>
+              <a:rPr lang="pt-PT" dirty="0" err="1">
+                <a:solidFill>
+                  <a:schemeClr val="bg1">
+                    <a:lumMod val="65000"/>
+                  </a:schemeClr>
+                </a:solidFill>
+              </a:rPr>
+              <a:t>bind_cols</a:t>
+            </a:r>
+            <a:r>
+              <a:rPr lang="pt-PT" dirty="0">
+                <a:solidFill>
+                  <a:schemeClr val="bg1">
+                    <a:lumMod val="65000"/>
+                  </a:schemeClr>
+                </a:solidFill>
+              </a:rPr>
+              <a:t>(</a:t>
+            </a:r>
+            <a:r>
+              <a:rPr lang="pt-PT" dirty="0" err="1">
+                <a:solidFill>
+                  <a:schemeClr val="bg1">
+                    <a:lumMod val="65000"/>
+                  </a:schemeClr>
+                </a:solidFill>
+              </a:rPr>
+              <a:t>predict</a:t>
+            </a:r>
+            <a:r>
+              <a:rPr lang="pt-PT" dirty="0">
+                <a:solidFill>
+                  <a:schemeClr val="bg1">
+                    <a:lumMod val="65000"/>
+                  </a:schemeClr>
+                </a:solidFill>
+              </a:rPr>
+              <a:t>(</a:t>
+            </a:r>
+            <a:r>
+              <a:rPr lang="pt-PT" dirty="0" err="1">
+                <a:solidFill>
+                  <a:schemeClr val="bg1">
+                    <a:lumMod val="65000"/>
+                  </a:schemeClr>
+                </a:solidFill>
+              </a:rPr>
+              <a:t>glm_ridge_fit,fire_test</a:t>
+            </a:r>
+            <a:r>
+              <a:rPr lang="pt-PT" dirty="0">
+                <a:solidFill>
+                  <a:schemeClr val="bg1">
+                    <a:lumMod val="65000"/>
+                  </a:schemeClr>
+                </a:solidFill>
+              </a:rPr>
+              <a:t>))</a:t>
+            </a:r>
+          </a:p>
+          <a:p>
+            <a:pPr marL="0" indent="0" algn="just">
+              <a:spcBef>
+                <a:spcPts val="0"/>
+              </a:spcBef>
+              <a:buNone/>
+            </a:pPr>
+            <a:r>
+              <a:rPr lang="pt-PT" dirty="0" err="1">
+                <a:solidFill>
+                  <a:schemeClr val="bg1">
+                    <a:lumMod val="65000"/>
+                  </a:schemeClr>
+                </a:solidFill>
+              </a:rPr>
+              <a:t>glm_lasso_preds</a:t>
+            </a:r>
+            <a:r>
+              <a:rPr lang="pt-PT" dirty="0">
+                <a:solidFill>
+                  <a:schemeClr val="bg1">
+                    <a:lumMod val="65000"/>
+                  </a:schemeClr>
+                </a:solidFill>
+              </a:rPr>
+              <a:t> %&gt;% </a:t>
+            </a:r>
+            <a:r>
+              <a:rPr lang="pt-PT" dirty="0" err="1">
+                <a:solidFill>
+                  <a:schemeClr val="bg1">
+                    <a:lumMod val="65000"/>
+                  </a:schemeClr>
+                </a:solidFill>
+              </a:rPr>
+              <a:t>metrics</a:t>
+            </a:r>
+            <a:r>
+              <a:rPr lang="pt-PT" dirty="0">
+                <a:solidFill>
+                  <a:schemeClr val="bg1">
+                    <a:lumMod val="65000"/>
+                  </a:schemeClr>
+                </a:solidFill>
+              </a:rPr>
+              <a:t>(</a:t>
+            </a:r>
+            <a:r>
+              <a:rPr lang="pt-PT" dirty="0" err="1">
+                <a:solidFill>
+                  <a:schemeClr val="bg1">
+                    <a:lumMod val="65000"/>
+                  </a:schemeClr>
+                </a:solidFill>
+              </a:rPr>
+              <a:t>truth</a:t>
+            </a:r>
+            <a:r>
+              <a:rPr lang="pt-PT" dirty="0">
+                <a:solidFill>
+                  <a:schemeClr val="bg1">
+                    <a:lumMod val="65000"/>
+                  </a:schemeClr>
+                </a:solidFill>
+              </a:rPr>
+              <a:t>=</a:t>
+            </a:r>
+            <a:r>
+              <a:rPr lang="pt-PT" dirty="0" err="1">
+                <a:solidFill>
+                  <a:schemeClr val="bg1">
+                    <a:lumMod val="65000"/>
+                  </a:schemeClr>
+                </a:solidFill>
+              </a:rPr>
+              <a:t>intentional_cause,estimate</a:t>
+            </a:r>
+            <a:r>
+              <a:rPr lang="pt-PT" dirty="0">
+                <a:solidFill>
+                  <a:schemeClr val="bg1">
+                    <a:lumMod val="65000"/>
+                  </a:schemeClr>
+                </a:solidFill>
+              </a:rPr>
+              <a:t>=.</a:t>
+            </a:r>
+            <a:r>
+              <a:rPr lang="pt-PT" dirty="0" err="1">
+                <a:solidFill>
+                  <a:schemeClr val="bg1">
+                    <a:lumMod val="65000"/>
+                  </a:schemeClr>
+                </a:solidFill>
+              </a:rPr>
+              <a:t>pred</a:t>
+            </a:r>
+            <a:r>
+              <a:rPr lang="pt-PT" dirty="0">
+                <a:solidFill>
+                  <a:schemeClr val="bg1">
+                    <a:lumMod val="65000"/>
+                  </a:schemeClr>
+                </a:solidFill>
+              </a:rPr>
+              <a:t>)</a:t>
+            </a:r>
+          </a:p>
+          <a:p>
+            <a:pPr marL="0" indent="0">
+              <a:buNone/>
+            </a:pPr>
+            <a:endParaRPr lang="pt-PT" dirty="0">
+              <a:solidFill>
+                <a:schemeClr val="bg1"/>
+              </a:solidFill>
+            </a:endParaRPr>
+          </a:p>
+          <a:p>
+            <a:r>
+              <a:rPr lang="pt-PT" dirty="0">
+                <a:solidFill>
+                  <a:schemeClr val="bg1"/>
+                </a:solidFill>
+              </a:rPr>
+              <a:t>Avaliar </a:t>
+            </a:r>
+            <a:r>
+              <a:rPr lang="pt-PT" dirty="0" err="1">
+                <a:solidFill>
+                  <a:schemeClr val="bg1"/>
+                </a:solidFill>
+              </a:rPr>
+              <a:t>Root</a:t>
+            </a:r>
+            <a:r>
+              <a:rPr lang="pt-PT" dirty="0">
+                <a:solidFill>
+                  <a:schemeClr val="bg1"/>
+                </a:solidFill>
+              </a:rPr>
+              <a:t> </a:t>
+            </a:r>
+            <a:r>
+              <a:rPr lang="pt-PT" dirty="0" err="1">
+                <a:solidFill>
+                  <a:schemeClr val="bg1"/>
+                </a:solidFill>
+              </a:rPr>
+              <a:t>Mean</a:t>
+            </a:r>
+            <a:r>
+              <a:rPr lang="pt-PT" dirty="0">
+                <a:solidFill>
+                  <a:schemeClr val="bg1"/>
+                </a:solidFill>
+              </a:rPr>
+              <a:t> </a:t>
+            </a:r>
+            <a:r>
+              <a:rPr lang="pt-PT" dirty="0" err="1">
+                <a:solidFill>
+                  <a:schemeClr val="bg1"/>
+                </a:solidFill>
+              </a:rPr>
+              <a:t>Squared</a:t>
+            </a:r>
+            <a:r>
+              <a:rPr lang="pt-PT" dirty="0">
+                <a:solidFill>
+                  <a:schemeClr val="bg1"/>
+                </a:solidFill>
+              </a:rPr>
+              <a:t> Error, R-</a:t>
+            </a:r>
+            <a:r>
+              <a:rPr lang="pt-PT" dirty="0" err="1">
+                <a:solidFill>
+                  <a:schemeClr val="bg1"/>
+                </a:solidFill>
+              </a:rPr>
+              <a:t>square</a:t>
+            </a:r>
+            <a:r>
+              <a:rPr lang="pt-PT" dirty="0">
+                <a:solidFill>
+                  <a:schemeClr val="bg1"/>
+                </a:solidFill>
+              </a:rPr>
+              <a:t> e </a:t>
+            </a:r>
+            <a:r>
+              <a:rPr lang="pt-PT" dirty="0" err="1">
+                <a:solidFill>
+                  <a:schemeClr val="bg1"/>
+                </a:solidFill>
+              </a:rPr>
+              <a:t>Mean</a:t>
+            </a:r>
+            <a:r>
+              <a:rPr lang="pt-PT" dirty="0">
+                <a:solidFill>
+                  <a:schemeClr val="bg1"/>
+                </a:solidFill>
+              </a:rPr>
+              <a:t> </a:t>
+            </a:r>
+            <a:r>
+              <a:rPr lang="pt-PT" dirty="0" err="1">
+                <a:solidFill>
+                  <a:schemeClr val="bg1"/>
+                </a:solidFill>
+              </a:rPr>
+              <a:t>absolute</a:t>
+            </a:r>
+            <a:r>
+              <a:rPr lang="pt-PT" dirty="0">
+                <a:solidFill>
+                  <a:schemeClr val="bg1"/>
+                </a:solidFill>
+              </a:rPr>
+              <a:t> Error.</a:t>
+            </a:r>
+          </a:p>
+          <a:p>
+            <a:pPr marL="0" indent="0">
+              <a:buNone/>
+            </a:pPr>
+            <a:endParaRPr lang="pt-PT" dirty="0">
+              <a:solidFill>
+                <a:schemeClr val="bg1"/>
+              </a:solidFill>
+            </a:endParaRPr>
+          </a:p>
+          <a:p>
+            <a:pPr marL="0" indent="0">
+              <a:buNone/>
+            </a:pPr>
+            <a:endParaRPr lang="pt-PT" dirty="0">
+              <a:solidFill>
+                <a:schemeClr val="bg1"/>
+              </a:solidFill>
+            </a:endParaRPr>
+          </a:p>
+        </p:txBody>
+      </p:sp>
+      <p:pic>
+        <p:nvPicPr>
+          <p:cNvPr id="6" name="Imagem 5" descr="Uma imagem com texto&#10;&#10;Descrição gerada automaticamente">
+            <a:extLst>
+              <a:ext uri="{FF2B5EF4-FFF2-40B4-BE49-F238E27FC236}">
+                <a16:creationId xmlns:a16="http://schemas.microsoft.com/office/drawing/2014/main" id="{09141155-811F-6738-6BDC-C56910A08DE5}"/>
+              </a:ext>
+            </a:extLst>
+          </p:cNvPr>
+          <p:cNvPicPr>
+            <a:picLocks noChangeAspect="1"/>
+          </p:cNvPicPr>
+          <p:nvPr/>
+        </p:nvPicPr>
+        <p:blipFill>
+          <a:blip r:embed="rId3"/>
+          <a:stretch>
+            <a:fillRect/>
+          </a:stretch>
+        </p:blipFill>
+        <p:spPr>
+          <a:xfrm>
+            <a:off x="8650288" y="2768600"/>
+            <a:ext cx="3035300" cy="1320800"/>
+          </a:xfrm>
+          <a:prstGeom prst="rect">
+            <a:avLst/>
+          </a:prstGeom>
+        </p:spPr>
+      </p:pic>
+    </p:spTree>
+    <p:extLst>
+      <p:ext uri="{BB962C8B-B14F-4D97-AF65-F5344CB8AC3E}">
+        <p14:creationId xmlns:p14="http://schemas.microsoft.com/office/powerpoint/2010/main" val="1715996831"/>
+      </p:ext>
+    </p:extLst>
+  </p:cSld>
+  <p:clrMapOvr>
+    <a:masterClrMapping/>
+  </p:clrMapOvr>
+</p:sld>
+</file>
+
+<file path=ppt/slides/slide11.xml><?xml version="1.0" encoding="utf-8"?>
+<p:sld xmlns:a="http://schemas.openxmlformats.org/drawingml/2006/main" xmlns:r="http://schemas.openxmlformats.org/officeDocument/2006/relationships" xmlns:p="http://schemas.openxmlformats.org/presentationml/2006/main">
+  <p:cSld>
+    <p:bg>
+      <p:bgPr>
+        <a:solidFill>
+          <a:schemeClr val="bg1">
+            <a:lumMod val="95000"/>
+          </a:schemeClr>
+        </a:solidFill>
+        <a:effectLst/>
+      </p:bgPr>
+    </p:bg>
+    <p:spTree>
+      <p:nvGrpSpPr>
+        <p:cNvPr id="1" name=""/>
+        <p:cNvGrpSpPr/>
+        <p:nvPr/>
+      </p:nvGrpSpPr>
+      <p:grpSpPr>
+        <a:xfrm>
+          <a:off x="0" y="0"/>
+          <a:ext cx="0" cy="0"/>
+          <a:chOff x="0" y="0"/>
+          <a:chExt cx="0" cy="0"/>
+        </a:xfrm>
+      </p:grpSpPr>
       <p:sp>
         <p:nvSpPr>
           <p:cNvPr id="12" name="Rectangle 11">
@@ -5016,7 +6383,7 @@
 </p:sld>
 </file>
 
-<file path=ppt/slides/slide11.xml><?xml version="1.0" encoding="utf-8"?>
+<file path=ppt/slides/slide12.xml><?xml version="1.0" encoding="utf-8"?>
 <p:sld xmlns:a="http://schemas.openxmlformats.org/drawingml/2006/main" xmlns:r="http://schemas.openxmlformats.org/officeDocument/2006/relationships" xmlns:p="http://schemas.openxmlformats.org/presentationml/2006/main">
   <p:cSld>
     <p:bg>
@@ -5265,20 +6632,25 @@
             </a:pPr>
             <a:endParaRPr lang="pt-PT" sz="1100" dirty="0">
               <a:solidFill>
-                <a:schemeClr val="bg1"/>
+                <a:schemeClr val="bg1">
+                  <a:lumMod val="85000"/>
+                </a:schemeClr>
               </a:solidFill>
             </a:endParaRPr>
           </a:p>
           <a:p>
-            <a:pPr>
+            <a:pPr marL="0" indent="0" algn="just">
               <a:lnSpc>
                 <a:spcPct val="90000"/>
               </a:lnSpc>
+              <a:buNone/>
             </a:pPr>
             <a:r>
               <a:rPr lang="pt-PT" sz="1100" dirty="0" err="1">
                 <a:solidFill>
-                  <a:schemeClr val="bg1"/>
+                  <a:schemeClr val="bg1">
+                    <a:lumMod val="95000"/>
+                  </a:schemeClr>
                 </a:solidFill>
               </a:rPr>
               <a:t>path</a:t>
@@ -5286,7 +6658,9 @@
             <a:r>
               <a:rPr lang="pt-PT" sz="1100" dirty="0">
                 <a:solidFill>
-                  <a:schemeClr val="bg1"/>
+                  <a:schemeClr val="bg1">
+                    <a:lumMod val="95000"/>
+                  </a:schemeClr>
                 </a:solidFill>
               </a:rPr>
               <a:t> &lt;- paste( </a:t>
@@ -5294,7 +6668,9 @@
             <a:r>
               <a:rPr lang="pt-PT" sz="1100" dirty="0" err="1">
                 <a:solidFill>
-                  <a:schemeClr val="bg1"/>
+                  <a:schemeClr val="bg1">
+                    <a:lumMod val="95000"/>
+                  </a:schemeClr>
                 </a:solidFill>
               </a:rPr>
               <a:t>getwd</a:t>
@@ -5302,7 +6678,9 @@
             <a:r>
               <a:rPr lang="pt-PT" sz="1100" dirty="0">
                 <a:solidFill>
-                  <a:schemeClr val="bg1"/>
+                  <a:schemeClr val="bg1">
+                    <a:lumMod val="95000"/>
+                  </a:schemeClr>
                 </a:solidFill>
               </a:rPr>
               <a:t>(), "/</a:t>
@@ -5310,7 +6688,9 @@
             <a:r>
               <a:rPr lang="pt-PT" sz="1100" dirty="0" err="1">
                 <a:solidFill>
-                  <a:schemeClr val="bg1"/>
+                  <a:schemeClr val="bg1">
+                    <a:lumMod val="95000"/>
+                  </a:schemeClr>
                 </a:solidFill>
               </a:rPr>
               <a:t>Rdata</a:t>
@@ -5318,7 +6698,9 @@
             <a:r>
               <a:rPr lang="pt-PT" sz="1100" dirty="0">
                 <a:solidFill>
-                  <a:schemeClr val="bg1"/>
+                  <a:schemeClr val="bg1">
+                    <a:lumMod val="95000"/>
+                  </a:schemeClr>
                 </a:solidFill>
               </a:rPr>
               <a:t>/Test_Data_noNa.</a:t>
@@ -5326,7 +6708,9 @@
             <a:r>
               <a:rPr lang="pt-PT" sz="1100" dirty="0" err="1">
                 <a:solidFill>
-                  <a:schemeClr val="bg1"/>
+                  <a:schemeClr val="bg1">
+                    <a:lumMod val="95000"/>
+                  </a:schemeClr>
                 </a:solidFill>
               </a:rPr>
               <a:t>rds</a:t>
@@ -5334,7 +6718,9 @@
             <a:r>
               <a:rPr lang="pt-PT" sz="1100" dirty="0">
                 <a:solidFill>
-                  <a:schemeClr val="bg1"/>
+                  <a:schemeClr val="bg1">
+                    <a:lumMod val="95000"/>
+                  </a:schemeClr>
                 </a:solidFill>
               </a:rPr>
               <a:t>",</a:t>
@@ -5342,7 +6728,9 @@
             <a:r>
               <a:rPr lang="pt-PT" sz="1100" dirty="0" err="1">
                 <a:solidFill>
-                  <a:schemeClr val="bg1"/>
+                  <a:schemeClr val="bg1">
+                    <a:lumMod val="95000"/>
+                  </a:schemeClr>
                 </a:solidFill>
               </a:rPr>
               <a:t>sep</a:t>
@@ -5350,22 +6738,27 @@
             <a:r>
               <a:rPr lang="pt-PT" sz="1100" dirty="0">
                 <a:solidFill>
-                  <a:schemeClr val="bg1"/>
+                  <a:schemeClr val="bg1">
+                    <a:lumMod val="95000"/>
+                  </a:schemeClr>
                 </a:solidFill>
               </a:rPr>
               <a:t> = "")</a:t>
             </a:r>
           </a:p>
           <a:p>
-            <a:pPr>
+            <a:pPr marL="0" indent="0" algn="just">
               <a:lnSpc>
                 <a:spcPct val="90000"/>
               </a:lnSpc>
+              <a:buNone/>
             </a:pPr>
             <a:r>
               <a:rPr lang="pt-PT" sz="1100" dirty="0" err="1">
                 <a:solidFill>
-                  <a:schemeClr val="bg1"/>
+                  <a:schemeClr val="bg1">
+                    <a:lumMod val="95000"/>
+                  </a:schemeClr>
                 </a:solidFill>
               </a:rPr>
               <a:t>fire_Test_Data</a:t>
@@ -5373,7 +6766,9 @@
             <a:r>
               <a:rPr lang="pt-PT" sz="1100" dirty="0">
                 <a:solidFill>
-                  <a:schemeClr val="bg1"/>
+                  <a:schemeClr val="bg1">
+                    <a:lumMod val="95000"/>
+                  </a:schemeClr>
                 </a:solidFill>
               </a:rPr>
               <a:t> &lt;- </a:t>
@@ -5381,7 +6776,9 @@
             <a:r>
               <a:rPr lang="pt-PT" sz="1100" dirty="0" err="1">
                 <a:solidFill>
-                  <a:schemeClr val="bg1"/>
+                  <a:schemeClr val="bg1">
+                    <a:lumMod val="95000"/>
+                  </a:schemeClr>
                 </a:solidFill>
               </a:rPr>
               <a:t>readRDS</a:t>
@@ -5389,7 +6786,9 @@
             <a:r>
               <a:rPr lang="pt-PT" sz="1100" dirty="0">
                 <a:solidFill>
-                  <a:schemeClr val="bg1"/>
+                  <a:schemeClr val="bg1">
+                    <a:lumMod val="95000"/>
+                  </a:schemeClr>
                 </a:solidFill>
               </a:rPr>
               <a:t>(</a:t>
@@ -5397,7 +6796,9 @@
             <a:r>
               <a:rPr lang="pt-PT" sz="1100" dirty="0" err="1">
                 <a:solidFill>
-                  <a:schemeClr val="bg1"/>
+                  <a:schemeClr val="bg1">
+                    <a:lumMod val="95000"/>
+                  </a:schemeClr>
                 </a:solidFill>
               </a:rPr>
               <a:t>path</a:t>
@@ -5405,42 +6806,52 @@
             <a:r>
               <a:rPr lang="pt-PT" sz="1100" dirty="0">
                 <a:solidFill>
-                  <a:schemeClr val="bg1"/>
+                  <a:schemeClr val="bg1">
+                    <a:lumMod val="95000"/>
+                  </a:schemeClr>
                 </a:solidFill>
               </a:rPr>
               <a:t>)</a:t>
             </a:r>
           </a:p>
           <a:p>
-            <a:pPr>
+            <a:pPr marL="0" indent="0" algn="just">
               <a:lnSpc>
                 <a:spcPct val="90000"/>
               </a:lnSpc>
+              <a:buNone/>
             </a:pPr>
             <a:endParaRPr lang="pt-PT" sz="1100" dirty="0">
               <a:solidFill>
-                <a:schemeClr val="bg1"/>
+                <a:schemeClr val="bg1">
+                  <a:lumMod val="95000"/>
+                </a:schemeClr>
               </a:solidFill>
             </a:endParaRPr>
           </a:p>
           <a:p>
-            <a:pPr>
+            <a:pPr marL="0" indent="0" algn="just">
               <a:lnSpc>
                 <a:spcPct val="90000"/>
               </a:lnSpc>
+              <a:buNone/>
             </a:pPr>
             <a:r>
               <a:rPr lang="pt-PT" sz="1100" dirty="0" err="1">
                 <a:solidFill>
-                  <a:schemeClr val="bg1"/>
-                </a:solidFill>
-              </a:rPr>
-              <a:t>prev</a:t>
+                  <a:schemeClr val="bg1">
+                    <a:lumMod val="95000"/>
+                  </a:schemeClr>
+                </a:solidFill>
+              </a:rPr>
+              <a:t>prevLG</a:t>
             </a:r>
             <a:r>
               <a:rPr lang="pt-PT" sz="1100" dirty="0">
                 <a:solidFill>
-                  <a:schemeClr val="bg1"/>
+                  <a:schemeClr val="bg1">
+                    <a:lumMod val="95000"/>
+                  </a:schemeClr>
                 </a:solidFill>
               </a:rPr>
               <a:t> &lt;- </a:t>
@@ -5448,7 +6859,9 @@
             <a:r>
               <a:rPr lang="pt-PT" sz="1100" dirty="0" err="1">
                 <a:solidFill>
-                  <a:schemeClr val="bg1"/>
+                  <a:schemeClr val="bg1">
+                    <a:lumMod val="95000"/>
+                  </a:schemeClr>
                 </a:solidFill>
               </a:rPr>
               <a:t>predict</a:t>
@@ -5456,7 +6869,9 @@
             <a:r>
               <a:rPr lang="pt-PT" sz="1100" dirty="0">
                 <a:solidFill>
-                  <a:schemeClr val="bg1"/>
+                  <a:schemeClr val="bg1">
+                    <a:lumMod val="95000"/>
+                  </a:schemeClr>
                 </a:solidFill>
               </a:rPr>
               <a:t>(</a:t>
@@ -5464,15 +6879,19 @@
             <a:r>
               <a:rPr lang="pt-PT" sz="1100" dirty="0" err="1">
                 <a:solidFill>
-                  <a:schemeClr val="bg1"/>
-                </a:solidFill>
-              </a:rPr>
-              <a:t>knn_fit</a:t>
+                  <a:schemeClr val="bg1">
+                    <a:lumMod val="95000"/>
+                  </a:schemeClr>
+                </a:solidFill>
+              </a:rPr>
+              <a:t>glm_lasso_fit</a:t>
             </a:r>
             <a:r>
               <a:rPr lang="pt-PT" sz="1100" dirty="0">
                 <a:solidFill>
-                  <a:schemeClr val="bg1"/>
+                  <a:schemeClr val="bg1">
+                    <a:lumMod val="95000"/>
+                  </a:schemeClr>
                 </a:solidFill>
               </a:rPr>
               <a:t>, </a:t>
@@ -5480,7 +6899,9 @@
             <a:r>
               <a:rPr lang="pt-PT" sz="1100" dirty="0" err="1">
                 <a:solidFill>
-                  <a:schemeClr val="bg1"/>
+                  <a:schemeClr val="bg1">
+                    <a:lumMod val="95000"/>
+                  </a:schemeClr>
                 </a:solidFill>
               </a:rPr>
               <a:t>fire_Test_Data</a:t>
@@ -5488,22 +6909,27 @@
             <a:r>
               <a:rPr lang="pt-PT" sz="1100" dirty="0">
                 <a:solidFill>
-                  <a:schemeClr val="bg1"/>
+                  <a:schemeClr val="bg1">
+                    <a:lumMod val="95000"/>
+                  </a:schemeClr>
                 </a:solidFill>
               </a:rPr>
               <a:t>)</a:t>
             </a:r>
           </a:p>
           <a:p>
-            <a:pPr>
+            <a:pPr marL="0" indent="0" algn="just">
               <a:lnSpc>
                 <a:spcPct val="90000"/>
               </a:lnSpc>
+              <a:buNone/>
             </a:pPr>
             <a:r>
               <a:rPr lang="pt-PT" sz="1100" dirty="0" err="1">
                 <a:solidFill>
-                  <a:schemeClr val="bg1"/>
+                  <a:schemeClr val="bg1">
+                    <a:lumMod val="95000"/>
+                  </a:schemeClr>
                 </a:solidFill>
               </a:rPr>
               <a:t>names</a:t>
@@ -5511,7 +6937,9 @@
             <a:r>
               <a:rPr lang="pt-PT" sz="1100" dirty="0">
                 <a:solidFill>
-                  <a:schemeClr val="bg1"/>
+                  <a:schemeClr val="bg1">
+                    <a:lumMod val="95000"/>
+                  </a:schemeClr>
                 </a:solidFill>
               </a:rPr>
               <a:t>(</a:t>
@@ -5519,15 +6947,19 @@
             <a:r>
               <a:rPr lang="pt-PT" sz="1100" dirty="0" err="1">
                 <a:solidFill>
-                  <a:schemeClr val="bg1"/>
-                </a:solidFill>
-              </a:rPr>
-              <a:t>prev</a:t>
+                  <a:schemeClr val="bg1">
+                    <a:lumMod val="95000"/>
+                  </a:schemeClr>
+                </a:solidFill>
+              </a:rPr>
+              <a:t>prevLG</a:t>
             </a:r>
             <a:r>
               <a:rPr lang="pt-PT" sz="1100" dirty="0">
                 <a:solidFill>
-                  <a:schemeClr val="bg1"/>
+                  <a:schemeClr val="bg1">
+                    <a:lumMod val="95000"/>
+                  </a:schemeClr>
                 </a:solidFill>
               </a:rPr>
               <a:t>)[</a:t>
@@ -5535,7 +6967,9 @@
             <a:r>
               <a:rPr lang="pt-PT" sz="1100" dirty="0" err="1">
                 <a:solidFill>
-                  <a:schemeClr val="bg1"/>
+                  <a:schemeClr val="bg1">
+                    <a:lumMod val="95000"/>
+                  </a:schemeClr>
                 </a:solidFill>
               </a:rPr>
               <a:t>length</a:t>
@@ -5543,7 +6977,9 @@
             <a:r>
               <a:rPr lang="pt-PT" sz="1100" dirty="0">
                 <a:solidFill>
-                  <a:schemeClr val="bg1"/>
+                  <a:schemeClr val="bg1">
+                    <a:lumMod val="95000"/>
+                  </a:schemeClr>
                 </a:solidFill>
               </a:rPr>
               <a:t>(</a:t>
@@ -5551,7 +6987,9 @@
             <a:r>
               <a:rPr lang="pt-PT" sz="1100" dirty="0" err="1">
                 <a:solidFill>
-                  <a:schemeClr val="bg1"/>
+                  <a:schemeClr val="bg1">
+                    <a:lumMod val="95000"/>
+                  </a:schemeClr>
                 </a:solidFill>
               </a:rPr>
               <a:t>names</a:t>
@@ -5559,7 +6997,9 @@
             <a:r>
               <a:rPr lang="pt-PT" sz="1100" dirty="0">
                 <a:solidFill>
-                  <a:schemeClr val="bg1"/>
+                  <a:schemeClr val="bg1">
+                    <a:lumMod val="95000"/>
+                  </a:schemeClr>
                 </a:solidFill>
               </a:rPr>
               <a:t>(</a:t>
@@ -5567,15 +7007,19 @@
             <a:r>
               <a:rPr lang="pt-PT" sz="1100" dirty="0" err="1">
                 <a:solidFill>
-                  <a:schemeClr val="bg1"/>
-                </a:solidFill>
-              </a:rPr>
-              <a:t>prev</a:t>
+                  <a:schemeClr val="bg1">
+                    <a:lumMod val="95000"/>
+                  </a:schemeClr>
+                </a:solidFill>
+              </a:rPr>
+              <a:t>prevLG</a:t>
             </a:r>
             <a:r>
               <a:rPr lang="pt-PT" sz="1100" dirty="0">
                 <a:solidFill>
-                  <a:schemeClr val="bg1"/>
+                  <a:schemeClr val="bg1">
+                    <a:lumMod val="95000"/>
+                  </a:schemeClr>
                 </a:solidFill>
               </a:rPr>
               <a:t>))]&lt;-"</a:t>
@@ -5583,7 +7027,9 @@
             <a:r>
               <a:rPr lang="pt-PT" sz="1100" dirty="0" err="1">
                 <a:solidFill>
-                  <a:schemeClr val="bg1"/>
+                  <a:schemeClr val="bg1">
+                    <a:lumMod val="95000"/>
+                  </a:schemeClr>
                 </a:solidFill>
               </a:rPr>
               <a:t>intentional_cause</a:t>
@@ -5591,30 +7037,37 @@
             <a:r>
               <a:rPr lang="pt-PT" sz="1100" dirty="0">
                 <a:solidFill>
-                  <a:schemeClr val="bg1"/>
+                  <a:schemeClr val="bg1">
+                    <a:lumMod val="95000"/>
+                  </a:schemeClr>
                 </a:solidFill>
               </a:rPr>
               <a:t>"</a:t>
             </a:r>
           </a:p>
           <a:p>
-            <a:pPr>
+            <a:pPr marL="0" indent="0" algn="just">
               <a:lnSpc>
                 <a:spcPct val="90000"/>
               </a:lnSpc>
+              <a:buNone/>
             </a:pPr>
             <a:r>
               <a:rPr lang="pt-PT" sz="1100" dirty="0" err="1">
                 <a:solidFill>
-                  <a:schemeClr val="bg1"/>
-                </a:solidFill>
-              </a:rPr>
-              <a:t>prev$id</a:t>
+                  <a:schemeClr val="bg1">
+                    <a:lumMod val="95000"/>
+                  </a:schemeClr>
+                </a:solidFill>
+              </a:rPr>
+              <a:t>prevLG$id</a:t>
             </a:r>
             <a:r>
               <a:rPr lang="pt-PT" sz="1100" dirty="0">
                 <a:solidFill>
-                  <a:schemeClr val="bg1"/>
+                  <a:schemeClr val="bg1">
+                    <a:lumMod val="95000"/>
+                  </a:schemeClr>
                 </a:solidFill>
               </a:rPr>
               <a:t> &lt;- </a:t>
@@ -5622,35 +7075,44 @@
             <a:r>
               <a:rPr lang="pt-PT" sz="1100" dirty="0" err="1">
                 <a:solidFill>
-                  <a:schemeClr val="bg1"/>
+                  <a:schemeClr val="bg1">
+                    <a:lumMod val="95000"/>
+                  </a:schemeClr>
                 </a:solidFill>
               </a:rPr>
               <a:t>fire_Test_Data$id</a:t>
             </a:r>
             <a:endParaRPr lang="pt-PT" sz="1100" dirty="0">
               <a:solidFill>
-                <a:schemeClr val="bg1"/>
+                <a:schemeClr val="bg1">
+                  <a:lumMod val="95000"/>
+                </a:schemeClr>
               </a:solidFill>
             </a:endParaRPr>
           </a:p>
           <a:p>
-            <a:pPr>
+            <a:pPr marL="0" indent="0" algn="just">
               <a:lnSpc>
                 <a:spcPct val="90000"/>
               </a:lnSpc>
+              <a:buNone/>
             </a:pPr>
             <a:r>
               <a:rPr lang="pt-PT" sz="1100" dirty="0" err="1">
                 <a:solidFill>
-                  <a:schemeClr val="bg1"/>
-                </a:solidFill>
-              </a:rPr>
-              <a:t>prev</a:t>
+                  <a:schemeClr val="bg1">
+                    <a:lumMod val="95000"/>
+                  </a:schemeClr>
+                </a:solidFill>
+              </a:rPr>
+              <a:t>prevLG</a:t>
             </a:r>
             <a:r>
               <a:rPr lang="pt-PT" sz="1100" dirty="0">
                 <a:solidFill>
-                  <a:schemeClr val="bg1"/>
+                  <a:schemeClr val="bg1">
+                    <a:lumMod val="95000"/>
+                  </a:schemeClr>
                 </a:solidFill>
               </a:rPr>
               <a:t> &lt;- </a:t>
@@ -5658,15 +7120,19 @@
             <a:r>
               <a:rPr lang="pt-PT" sz="1100" dirty="0" err="1">
                 <a:solidFill>
-                  <a:schemeClr val="bg1"/>
-                </a:solidFill>
-              </a:rPr>
-              <a:t>prev</a:t>
+                  <a:schemeClr val="bg1">
+                    <a:lumMod val="95000"/>
+                  </a:schemeClr>
+                </a:solidFill>
+              </a:rPr>
+              <a:t>prevLG</a:t>
             </a:r>
             <a:r>
               <a:rPr lang="pt-PT" sz="1100" dirty="0">
                 <a:solidFill>
-                  <a:schemeClr val="bg1"/>
+                  <a:schemeClr val="bg1">
+                    <a:lumMod val="95000"/>
+                  </a:schemeClr>
                 </a:solidFill>
               </a:rPr>
               <a:t>[c("id", "</a:t>
@@ -5674,7 +7140,9 @@
             <a:r>
               <a:rPr lang="pt-PT" sz="1100" dirty="0" err="1">
                 <a:solidFill>
-                  <a:schemeClr val="bg1"/>
+                  <a:schemeClr val="bg1">
+                    <a:lumMod val="95000"/>
+                  </a:schemeClr>
                 </a:solidFill>
               </a:rPr>
               <a:t>intentional_cause</a:t>
@@ -5682,34 +7150,42 @@
             <a:r>
               <a:rPr lang="pt-PT" sz="1100" dirty="0">
                 <a:solidFill>
-                  <a:schemeClr val="bg1"/>
+                  <a:schemeClr val="bg1">
+                    <a:lumMod val="95000"/>
+                  </a:schemeClr>
                 </a:solidFill>
               </a:rPr>
               <a:t>")]</a:t>
             </a:r>
           </a:p>
           <a:p>
-            <a:pPr>
+            <a:pPr marL="0" indent="0" algn="just">
               <a:lnSpc>
                 <a:spcPct val="90000"/>
               </a:lnSpc>
+              <a:buNone/>
             </a:pPr>
             <a:endParaRPr lang="pt-PT" sz="1100" dirty="0">
               <a:solidFill>
-                <a:schemeClr val="bg1"/>
+                <a:schemeClr val="bg1">
+                  <a:lumMod val="95000"/>
+                </a:schemeClr>
               </a:solidFill>
             </a:endParaRPr>
           </a:p>
           <a:p>
-            <a:pPr>
+            <a:pPr marL="0" indent="0" algn="just">
               <a:lnSpc>
                 <a:spcPct val="90000"/>
               </a:lnSpc>
+              <a:buNone/>
             </a:pPr>
             <a:r>
               <a:rPr lang="pt-PT" sz="1100" dirty="0" err="1">
                 <a:solidFill>
-                  <a:schemeClr val="bg1"/>
+                  <a:schemeClr val="bg1">
+                    <a:lumMod val="95000"/>
+                  </a:schemeClr>
                 </a:solidFill>
               </a:rPr>
               <a:t>write.csv</a:t>
@@ -5717,7 +7193,9 @@
             <a:r>
               <a:rPr lang="pt-PT" sz="1100" dirty="0">
                 <a:solidFill>
-                  <a:schemeClr val="bg1"/>
+                  <a:schemeClr val="bg1">
+                    <a:lumMod val="95000"/>
+                  </a:schemeClr>
                 </a:solidFill>
               </a:rPr>
               <a:t>(</a:t>
@@ -5725,23 +7203,29 @@
             <a:r>
               <a:rPr lang="pt-PT" sz="1100" dirty="0" err="1">
                 <a:solidFill>
-                  <a:schemeClr val="bg1"/>
-                </a:solidFill>
-              </a:rPr>
-              <a:t>prev</a:t>
+                  <a:schemeClr val="bg1">
+                    <a:lumMod val="95000"/>
+                  </a:schemeClr>
+                </a:solidFill>
+              </a:rPr>
+              <a:t>prevLG</a:t>
             </a:r>
             <a:r>
               <a:rPr lang="pt-PT" sz="1100" dirty="0">
                 <a:solidFill>
-                  <a:schemeClr val="bg1"/>
-                </a:solidFill>
-              </a:rPr>
-              <a:t>, "grupo13_DMI.csv", </a:t>
+                  <a:schemeClr val="bg1">
+                    <a:lumMod val="95000"/>
+                  </a:schemeClr>
+                </a:solidFill>
+              </a:rPr>
+              <a:t>, "grupo13_DMI_13LG.csv", </a:t>
             </a:r>
             <a:r>
               <a:rPr lang="pt-PT" sz="1100" dirty="0" err="1">
                 <a:solidFill>
-                  <a:schemeClr val="bg1"/>
+                  <a:schemeClr val="bg1">
+                    <a:lumMod val="95000"/>
+                  </a:schemeClr>
                 </a:solidFill>
               </a:rPr>
               <a:t>row.names</a:t>
@@ -5749,7 +7233,9 @@
             <a:r>
               <a:rPr lang="pt-PT" sz="1100" dirty="0">
                 <a:solidFill>
-                  <a:schemeClr val="bg1"/>
+                  <a:schemeClr val="bg1">
+                    <a:lumMod val="95000"/>
+                  </a:schemeClr>
                 </a:solidFill>
               </a:rPr>
               <a:t>=FALSE)</a:t>
@@ -5759,10 +7245,10 @@
       </p:sp>
       <p:pic>
         <p:nvPicPr>
-          <p:cNvPr id="5" name="Imagem 4">
+          <p:cNvPr id="6" name="Imagem 5">
             <a:extLst>
               <a:ext uri="{FF2B5EF4-FFF2-40B4-BE49-F238E27FC236}">
-                <a16:creationId xmlns:a16="http://schemas.microsoft.com/office/drawing/2014/main" id="{036B3FE3-6E94-FFB1-447B-BA0EF1C8FA27}"/>
+                <a16:creationId xmlns:a16="http://schemas.microsoft.com/office/drawing/2014/main" id="{7259C762-B79A-00D3-1D5F-4961E0E14E98}"/>
               </a:ext>
             </a:extLst>
           </p:cNvPr>
@@ -5772,15 +7258,15 @@
           <p:nvPr/>
         </p:nvPicPr>
         <p:blipFill>
-          <a:blip r:embed="rId2"/>
+          <a:blip r:embed="rId3"/>
           <a:stretch>
             <a:fillRect/>
           </a:stretch>
         </p:blipFill>
         <p:spPr>
           <a:xfrm>
-            <a:off x="5297763" y="1473337"/>
-            <a:ext cx="6250769" cy="3750459"/>
+            <a:off x="4536948" y="1000125"/>
+            <a:ext cx="7772400" cy="4632809"/>
           </a:xfrm>
           <a:prstGeom prst="rect">
             <a:avLst/>
@@ -5800,7 +7286,7 @@
 </p:sld>
 </file>
 
-<file path=ppt/slides/slide12.xml><?xml version="1.0" encoding="utf-8"?>
+<file path=ppt/slides/slide13.xml><?xml version="1.0" encoding="utf-8"?>
 <p:sld xmlns:a="http://schemas.openxmlformats.org/drawingml/2006/main" xmlns:r="http://schemas.openxmlformats.org/officeDocument/2006/relationships" xmlns:p="http://schemas.openxmlformats.org/presentationml/2006/main">
   <p:cSld>
     <p:spTree>
@@ -9296,16 +10782,6 @@
 <file path=ppt/slides/slide9.xml><?xml version="1.0" encoding="utf-8"?>
 <p:sld xmlns:a="http://schemas.openxmlformats.org/drawingml/2006/main" xmlns:r="http://schemas.openxmlformats.org/officeDocument/2006/relationships" xmlns:p="http://schemas.openxmlformats.org/presentationml/2006/main">
   <p:cSld>
-    <p:bg>
-      <p:bgPr>
-        <a:solidFill>
-          <a:schemeClr val="bg1">
-            <a:lumMod val="95000"/>
-          </a:schemeClr>
-        </a:solidFill>
-        <a:effectLst/>
-      </p:bgPr>
-    </p:bg>
     <p:spTree>
       <p:nvGrpSpPr>
         <p:cNvPr id="1" name=""/>
@@ -9320,704 +10796,170 @@
           <a:chExt cx="0" cy="0"/>
         </a:xfrm>
       </p:grpSpPr>
-      <p:sp useBgFill="1">
-        <p:nvSpPr>
-          <p:cNvPr id="17" name="Rectangle 16">
+      <p:sp>
+        <p:nvSpPr>
+          <p:cNvPr id="2" name="Título 1">
             <a:extLst>
               <a:ext uri="{FF2B5EF4-FFF2-40B4-BE49-F238E27FC236}">
-                <a16:creationId xmlns:a16="http://schemas.microsoft.com/office/drawing/2014/main" id="{1660E788-AFA9-4A1B-9991-6AA74632A15B}"/>
-              </a:ext>
-              <a:ext uri="{C183D7F6-B498-43B3-948B-1728B52AA6E4}">
-                <adec:decorative xmlns:adec="http://schemas.microsoft.com/office/drawing/2017/decorative" val="1"/>
+                <a16:creationId xmlns:a16="http://schemas.microsoft.com/office/drawing/2014/main" id="{78DCE154-CCFB-A598-45EB-A3A8CB0671DD}"/>
               </a:ext>
             </a:extLst>
           </p:cNvPr>
           <p:cNvSpPr>
-            <a:spLocks noGrp="1" noRot="1" noChangeAspect="1" noMove="1" noResize="1" noEditPoints="1" noAdjustHandles="1" noChangeArrowheads="1" noChangeShapeType="1" noTextEdit="1"/>
-          </p:cNvSpPr>
-          <p:nvPr>
-            <p:extLst>
-              <p:ext uri="{386F3935-93C4-4BCD-93E2-E3B085C9AB24}">
-                <p16:designElem xmlns:p16="http://schemas.microsoft.com/office/powerpoint/2015/main" val="1"/>
-              </p:ext>
-            </p:extLst>
-          </p:nvPr>
-        </p:nvSpPr>
-        <p:spPr>
-          <a:xfrm>
-            <a:off x="0" y="0"/>
-            <a:ext cx="12191999" cy="6858000"/>
-          </a:xfrm>
-          <a:prstGeom prst="rect">
-            <a:avLst/>
-          </a:prstGeom>
-          <a:ln>
-            <a:noFill/>
-          </a:ln>
-        </p:spPr>
-        <p:style>
-          <a:lnRef idx="2">
-            <a:schemeClr val="accent1">
-              <a:shade val="50000"/>
-            </a:schemeClr>
-          </a:lnRef>
-          <a:fillRef idx="1">
-            <a:schemeClr val="accent1"/>
-          </a:fillRef>
-          <a:effectRef idx="0">
-            <a:schemeClr val="accent1"/>
-          </a:effectRef>
-          <a:fontRef idx="minor">
-            <a:schemeClr val="lt1"/>
-          </a:fontRef>
-        </p:style>
-        <p:txBody>
-          <a:bodyPr rtlCol="0" anchor="ctr"/>
+            <a:spLocks noGrp="1"/>
+          </p:cNvSpPr>
+          <p:nvPr>
+            <p:ph type="title"/>
+          </p:nvPr>
+        </p:nvSpPr>
+        <p:spPr/>
+        <p:txBody>
+          <a:bodyPr/>
           <a:lstStyle/>
           <a:p>
-            <a:pPr algn="ctr"/>
-            <a:endParaRPr lang="en-US"/>
-          </a:p>
-        </p:txBody>
-      </p:sp>
-      <p:sp>
-        <p:nvSpPr>
-          <p:cNvPr id="19" name="Rectangle 18">
+            <a:r>
+              <a:rPr lang="pt-PT" dirty="0" err="1">
+                <a:latin typeface="-apple-system"/>
+              </a:rPr>
+              <a:t>P</a:t>
+            </a:r>
+            <a:r>
+              <a:rPr lang="pt-PT" b="0" i="0" u="none" strike="noStrike" dirty="0" err="1">
+                <a:effectLst/>
+                <a:latin typeface="-apple-system"/>
+              </a:rPr>
+              <a:t>redictive</a:t>
+            </a:r>
+            <a:r>
+              <a:rPr lang="pt-PT" b="0" i="0" u="none" strike="noStrike" dirty="0">
+                <a:effectLst/>
+                <a:latin typeface="-apple-system"/>
+              </a:rPr>
+              <a:t> </a:t>
+            </a:r>
+            <a:r>
+              <a:rPr lang="pt-PT" dirty="0" err="1">
+                <a:latin typeface="-apple-system"/>
+              </a:rPr>
+              <a:t>M</a:t>
+            </a:r>
+            <a:r>
+              <a:rPr lang="pt-PT" b="0" i="0" u="none" strike="noStrike" dirty="0" err="1">
+                <a:effectLst/>
+                <a:latin typeface="-apple-system"/>
+              </a:rPr>
+              <a:t>odelling</a:t>
+            </a:r>
+            <a:r>
+              <a:rPr lang="pt-PT" b="0" i="0" u="none" strike="noStrike" dirty="0">
+                <a:effectLst/>
+                <a:latin typeface="-apple-system"/>
+              </a:rPr>
+              <a:t> </a:t>
+            </a:r>
+            <a:endParaRPr lang="pt-PT" dirty="0"/>
+          </a:p>
+        </p:txBody>
+      </p:sp>
+      <p:sp>
+        <p:nvSpPr>
+          <p:cNvPr id="3" name="Marcador de Posição de Conteúdo 2">
             <a:extLst>
               <a:ext uri="{FF2B5EF4-FFF2-40B4-BE49-F238E27FC236}">
-                <a16:creationId xmlns:a16="http://schemas.microsoft.com/office/drawing/2014/main" id="{867D4867-5BA7-4462-B2F6-A23F4A622AA7}"/>
-              </a:ext>
-              <a:ext uri="{C183D7F6-B498-43B3-948B-1728B52AA6E4}">
-                <adec:decorative xmlns:adec="http://schemas.microsoft.com/office/drawing/2017/decorative" val="1"/>
+                <a16:creationId xmlns:a16="http://schemas.microsoft.com/office/drawing/2014/main" id="{E68369A6-4EED-1E14-1186-40D461F54963}"/>
               </a:ext>
             </a:extLst>
           </p:cNvPr>
           <p:cNvSpPr>
-            <a:spLocks noGrp="1" noRot="1" noChangeAspect="1" noMove="1" noResize="1" noEditPoints="1" noAdjustHandles="1" noChangeArrowheads="1" noChangeShapeType="1" noTextEdit="1"/>
-          </p:cNvSpPr>
-          <p:nvPr>
-            <p:extLst>
-              <p:ext uri="{386F3935-93C4-4BCD-93E2-E3B085C9AB24}">
-                <p16:designElem xmlns:p16="http://schemas.microsoft.com/office/powerpoint/2015/main" val="1"/>
-              </p:ext>
-            </p:extLst>
-          </p:nvPr>
-        </p:nvSpPr>
-        <p:spPr>
-          <a:xfrm>
-            <a:off x="-1" y="0"/>
-            <a:ext cx="7544653" cy="6858000"/>
-          </a:xfrm>
-          <a:prstGeom prst="rect">
-            <a:avLst/>
-          </a:prstGeom>
-          <a:solidFill>
-            <a:schemeClr val="tx2"/>
-          </a:solidFill>
-          <a:ln>
-            <a:noFill/>
-          </a:ln>
-        </p:spPr>
-        <p:style>
-          <a:lnRef idx="0">
-            <a:scrgbClr r="0" g="0" b="0"/>
-          </a:lnRef>
-          <a:fillRef idx="0">
-            <a:scrgbClr r="0" g="0" b="0"/>
-          </a:fillRef>
-          <a:effectRef idx="0">
-            <a:scrgbClr r="0" g="0" b="0"/>
-          </a:effectRef>
-          <a:fontRef idx="minor">
-            <a:schemeClr val="lt1"/>
-          </a:fontRef>
-        </p:style>
-        <p:txBody>
-          <a:bodyPr rtlCol="0" anchor="ctr"/>
+            <a:spLocks noGrp="1"/>
+          </p:cNvSpPr>
+          <p:nvPr>
+            <p:ph idx="1"/>
+          </p:nvPr>
+        </p:nvSpPr>
+        <p:spPr/>
+        <p:txBody>
+          <a:bodyPr/>
           <a:lstStyle/>
           <a:p>
-            <a:pPr algn="ctr"/>
-            <a:endParaRPr lang="en-US"/>
-          </a:p>
-        </p:txBody>
-      </p:sp>
-      <p:sp>
-        <p:nvSpPr>
-          <p:cNvPr id="2" name="Título 1">
-            <a:extLst>
-              <a:ext uri="{FF2B5EF4-FFF2-40B4-BE49-F238E27FC236}">
-                <a16:creationId xmlns:a16="http://schemas.microsoft.com/office/drawing/2014/main" id="{7D84ABC7-5C5D-5AAF-65B8-B73BB6EA139E}"/>
-              </a:ext>
-            </a:extLst>
-          </p:cNvPr>
-          <p:cNvSpPr>
-            <a:spLocks noGrp="1"/>
-          </p:cNvSpPr>
-          <p:nvPr>
-            <p:ph type="title"/>
-          </p:nvPr>
-        </p:nvSpPr>
-        <p:spPr>
-          <a:xfrm>
-            <a:off x="643466" y="643467"/>
-            <a:ext cx="6242719" cy="1728044"/>
-          </a:xfrm>
-          <a:noFill/>
-          <a:ln>
-            <a:solidFill>
-              <a:schemeClr val="bg1"/>
-            </a:solidFill>
-          </a:ln>
-        </p:spPr>
-        <p:txBody>
-          <a:bodyPr wrap="square">
-            <a:normAutofit/>
-          </a:bodyPr>
-          <a:lstStyle/>
-          <a:p>
-            <a:r>
-              <a:rPr lang="pt-PT">
-                <a:solidFill>
-                  <a:schemeClr val="bg1"/>
-                </a:solidFill>
-                <a:latin typeface="-apple-system"/>
-              </a:rPr>
-              <a:t>P</a:t>
-            </a:r>
-            <a:r>
-              <a:rPr lang="pt-PT" b="0" i="0" u="none" strike="noStrike">
-                <a:solidFill>
-                  <a:schemeClr val="bg1"/>
-                </a:solidFill>
-                <a:effectLst/>
-                <a:latin typeface="-apple-system"/>
-              </a:rPr>
-              <a:t>redictive </a:t>
-            </a:r>
-            <a:r>
-              <a:rPr lang="pt-PT">
-                <a:solidFill>
-                  <a:schemeClr val="bg1"/>
-                </a:solidFill>
-                <a:latin typeface="-apple-system"/>
-              </a:rPr>
-              <a:t>M</a:t>
-            </a:r>
-            <a:r>
-              <a:rPr lang="pt-PT" b="0" i="0" u="none" strike="noStrike">
-                <a:solidFill>
-                  <a:schemeClr val="bg1"/>
-                </a:solidFill>
-                <a:effectLst/>
-                <a:latin typeface="-apple-system"/>
-              </a:rPr>
-              <a:t>odelling </a:t>
-            </a:r>
-            <a:endParaRPr lang="pt-PT">
-              <a:solidFill>
-                <a:schemeClr val="bg1"/>
-              </a:solidFill>
-            </a:endParaRPr>
-          </a:p>
-        </p:txBody>
-      </p:sp>
-      <p:sp>
-        <p:nvSpPr>
-          <p:cNvPr id="3" name="Marcador de Posição de Conteúdo 2">
-            <a:extLst>
-              <a:ext uri="{FF2B5EF4-FFF2-40B4-BE49-F238E27FC236}">
-                <a16:creationId xmlns:a16="http://schemas.microsoft.com/office/drawing/2014/main" id="{24DB98FE-DF2B-25EF-2F99-C40D8E9F3A16}"/>
-              </a:ext>
-            </a:extLst>
-          </p:cNvPr>
-          <p:cNvSpPr>
-            <a:spLocks noGrp="1"/>
-          </p:cNvSpPr>
-          <p:nvPr>
-            <p:ph idx="1"/>
-          </p:nvPr>
-        </p:nvSpPr>
-        <p:spPr>
-          <a:xfrm>
-            <a:off x="643467" y="2638044"/>
-            <a:ext cx="6242715" cy="3415622"/>
-          </a:xfrm>
-        </p:spPr>
-        <p:txBody>
-          <a:bodyPr>
-            <a:normAutofit/>
-          </a:bodyPr>
-          <a:lstStyle/>
-          <a:p>
-            <a:r>
-              <a:rPr lang="pt-PT" dirty="0">
-                <a:solidFill>
-                  <a:schemeClr val="bg1"/>
-                </a:solidFill>
-              </a:rPr>
-              <a:t>Usando as colunas que foram avaliadas como mais importantes:</a:t>
-            </a:r>
-          </a:p>
-          <a:p>
-            <a:pPr marL="0" indent="0">
-              <a:buNone/>
-            </a:pPr>
-            <a:r>
-              <a:rPr lang="pt-PT" dirty="0">
-                <a:solidFill>
-                  <a:schemeClr val="bg1"/>
-                </a:solidFill>
-              </a:rPr>
-              <a:t>    </a:t>
-            </a:r>
-            <a:r>
-              <a:rPr lang="pt-PT" dirty="0">
-                <a:solidFill>
-                  <a:schemeClr val="bg1">
-                    <a:lumMod val="85000"/>
-                  </a:schemeClr>
-                </a:solidFill>
-              </a:rPr>
-              <a:t>lm_fit2 &lt;- </a:t>
-            </a:r>
-            <a:r>
-              <a:rPr lang="pt-PT" dirty="0" err="1">
-                <a:solidFill>
-                  <a:schemeClr val="bg1">
-                    <a:lumMod val="85000"/>
-                  </a:schemeClr>
-                </a:solidFill>
-              </a:rPr>
-              <a:t>model_lm</a:t>
-            </a:r>
-            <a:r>
-              <a:rPr lang="pt-PT" dirty="0">
-                <a:solidFill>
-                  <a:schemeClr val="bg1">
-                    <a:lumMod val="85000"/>
-                  </a:schemeClr>
-                </a:solidFill>
-              </a:rPr>
-              <a:t> %&gt;%</a:t>
-            </a:r>
-          </a:p>
-          <a:p>
-            <a:pPr marL="0" indent="0">
-              <a:buNone/>
-            </a:pPr>
-            <a:r>
-              <a:rPr lang="pt-PT" dirty="0">
-                <a:solidFill>
-                  <a:schemeClr val="bg1">
-                    <a:lumMod val="85000"/>
-                  </a:schemeClr>
-                </a:solidFill>
-              </a:rPr>
-              <a:t>    </a:t>
-            </a:r>
-            <a:r>
-              <a:rPr lang="pt-PT" dirty="0" err="1">
-                <a:solidFill>
-                  <a:schemeClr val="bg1">
-                    <a:lumMod val="85000"/>
-                  </a:schemeClr>
-                </a:solidFill>
-              </a:rPr>
-              <a:t>fit</a:t>
-            </a:r>
-            <a:r>
-              <a:rPr lang="pt-PT" dirty="0">
-                <a:solidFill>
-                  <a:schemeClr val="bg1">
-                    <a:lumMod val="85000"/>
-                  </a:schemeClr>
-                </a:solidFill>
-              </a:rPr>
-              <a:t>(</a:t>
-            </a:r>
-            <a:r>
-              <a:rPr lang="pt-PT" dirty="0" err="1">
-                <a:solidFill>
-                  <a:schemeClr val="bg1">
-                    <a:lumMod val="85000"/>
-                  </a:schemeClr>
-                </a:solidFill>
-              </a:rPr>
-              <a:t>intentional_cause</a:t>
-            </a:r>
-            <a:r>
-              <a:rPr lang="pt-PT" dirty="0">
-                <a:solidFill>
-                  <a:schemeClr val="bg1">
-                    <a:lumMod val="85000"/>
-                  </a:schemeClr>
-                </a:solidFill>
-              </a:rPr>
-              <a:t> ~ </a:t>
-            </a:r>
-            <a:r>
-              <a:rPr lang="pt-PT" dirty="0" err="1">
-                <a:solidFill>
-                  <a:schemeClr val="bg1">
-                    <a:lumMod val="85000"/>
-                  </a:schemeClr>
-                </a:solidFill>
-              </a:rPr>
-              <a:t>district</a:t>
-            </a:r>
-            <a:r>
-              <a:rPr lang="pt-PT" dirty="0">
-                <a:solidFill>
-                  <a:schemeClr val="bg1">
-                    <a:lumMod val="85000"/>
-                  </a:schemeClr>
-                </a:solidFill>
-              </a:rPr>
-              <a:t> + </a:t>
-            </a:r>
-            <a:r>
-              <a:rPr lang="pt-PT" dirty="0" err="1">
-                <a:solidFill>
-                  <a:schemeClr val="bg1">
-                    <a:lumMod val="85000"/>
-                  </a:schemeClr>
-                </a:solidFill>
-              </a:rPr>
-              <a:t>TemperatureCMax</a:t>
-            </a:r>
-            <a:r>
-              <a:rPr lang="pt-PT" dirty="0">
-                <a:solidFill>
-                  <a:schemeClr val="bg1">
-                    <a:lumMod val="85000"/>
-                  </a:schemeClr>
-                </a:solidFill>
-              </a:rPr>
-              <a:t> + </a:t>
-            </a:r>
-            <a:r>
-              <a:rPr lang="pt-PT" dirty="0" err="1">
-                <a:solidFill>
-                  <a:schemeClr val="bg1">
-                    <a:lumMod val="85000"/>
-                  </a:schemeClr>
-                </a:solidFill>
-              </a:rPr>
-              <a:t>WindkmhInt</a:t>
-            </a:r>
-            <a:r>
-              <a:rPr lang="pt-PT" dirty="0">
-                <a:solidFill>
-                  <a:schemeClr val="bg1">
-                    <a:lumMod val="85000"/>
-                  </a:schemeClr>
-                </a:solidFill>
-              </a:rPr>
-              <a:t> + </a:t>
-            </a:r>
-            <a:r>
-              <a:rPr lang="pt-PT" dirty="0" err="1">
-                <a:solidFill>
-                  <a:schemeClr val="bg1">
-                    <a:lumMod val="85000"/>
-                  </a:schemeClr>
-                </a:solidFill>
-              </a:rPr>
-              <a:t>TemperatureCAvg</a:t>
-            </a:r>
-            <a:r>
-              <a:rPr lang="pt-PT" dirty="0">
-                <a:solidFill>
-                  <a:schemeClr val="bg1">
-                    <a:lumMod val="85000"/>
-                  </a:schemeClr>
-                </a:solidFill>
-              </a:rPr>
-              <a:t> + </a:t>
-            </a:r>
-            <a:r>
-              <a:rPr lang="pt-PT" dirty="0" err="1">
-                <a:solidFill>
-                  <a:schemeClr val="bg1">
-                    <a:lumMod val="85000"/>
-                  </a:schemeClr>
-                </a:solidFill>
-              </a:rPr>
-              <a:t>TemperatureCMin</a:t>
-            </a:r>
-            <a:r>
-              <a:rPr lang="pt-PT" dirty="0">
-                <a:solidFill>
-                  <a:schemeClr val="bg1">
-                    <a:lumMod val="85000"/>
-                  </a:schemeClr>
-                </a:solidFill>
-              </a:rPr>
-              <a:t> + </a:t>
-            </a:r>
-            <a:r>
-              <a:rPr lang="pt-PT" dirty="0" err="1">
-                <a:solidFill>
-                  <a:schemeClr val="bg1">
-                    <a:lumMod val="85000"/>
-                  </a:schemeClr>
-                </a:solidFill>
-              </a:rPr>
-              <a:t>village_area</a:t>
-            </a:r>
-            <a:r>
-              <a:rPr lang="pt-PT" dirty="0">
-                <a:solidFill>
-                  <a:schemeClr val="bg1">
-                    <a:lumMod val="85000"/>
-                  </a:schemeClr>
-                </a:solidFill>
-              </a:rPr>
-              <a:t> + </a:t>
-            </a:r>
-            <a:r>
-              <a:rPr lang="pt-PT" dirty="0" err="1">
-                <a:solidFill>
-                  <a:schemeClr val="bg1">
-                    <a:lumMod val="85000"/>
-                  </a:schemeClr>
-                </a:solidFill>
-              </a:rPr>
-              <a:t>extinction_hour</a:t>
-            </a:r>
-            <a:r>
-              <a:rPr lang="pt-PT" dirty="0">
-                <a:solidFill>
-                  <a:schemeClr val="bg1">
-                    <a:lumMod val="85000"/>
-                  </a:schemeClr>
-                </a:solidFill>
-              </a:rPr>
-              <a:t> + </a:t>
-            </a:r>
-            <a:r>
-              <a:rPr lang="pt-PT" dirty="0" err="1">
-                <a:solidFill>
-                  <a:schemeClr val="bg1">
-                    <a:lumMod val="85000"/>
-                  </a:schemeClr>
-                </a:solidFill>
-              </a:rPr>
-              <a:t>farming_area</a:t>
-            </a:r>
-            <a:r>
-              <a:rPr lang="pt-PT" dirty="0">
-                <a:solidFill>
-                  <a:schemeClr val="bg1">
-                    <a:lumMod val="85000"/>
-                  </a:schemeClr>
-                </a:solidFill>
-              </a:rPr>
-              <a:t> + </a:t>
-            </a:r>
-            <a:r>
-              <a:rPr lang="pt-PT" dirty="0" err="1">
-                <a:solidFill>
-                  <a:schemeClr val="bg1">
-                    <a:lumMod val="85000"/>
-                  </a:schemeClr>
-                </a:solidFill>
-              </a:rPr>
-              <a:t>village_veget_area</a:t>
-            </a:r>
-            <a:r>
-              <a:rPr lang="pt-PT" dirty="0">
-                <a:solidFill>
-                  <a:schemeClr val="bg1">
-                    <a:lumMod val="85000"/>
-                  </a:schemeClr>
-                </a:solidFill>
-              </a:rPr>
-              <a:t>, data = </a:t>
-            </a:r>
-            <a:r>
-              <a:rPr lang="pt-PT" dirty="0" err="1">
-                <a:solidFill>
-                  <a:schemeClr val="bg1">
-                    <a:lumMod val="85000"/>
-                  </a:schemeClr>
-                </a:solidFill>
-              </a:rPr>
-              <a:t>fire_train</a:t>
-            </a:r>
-            <a:r>
-              <a:rPr lang="pt-PT" dirty="0">
-                <a:solidFill>
-                  <a:schemeClr val="bg1">
-                    <a:lumMod val="85000"/>
-                  </a:schemeClr>
-                </a:solidFill>
-              </a:rPr>
-              <a:t>) </a:t>
-            </a:r>
-          </a:p>
-          <a:p>
-            <a:r>
-              <a:rPr lang="pt-PT" dirty="0">
-                <a:solidFill>
-                  <a:schemeClr val="bg1"/>
-                </a:solidFill>
-              </a:rPr>
-              <a:t>Avaliar </a:t>
-            </a:r>
-            <a:r>
-              <a:rPr lang="pt-PT" dirty="0" err="1">
-                <a:solidFill>
-                  <a:schemeClr val="bg1"/>
-                </a:solidFill>
-              </a:rPr>
-              <a:t>Root</a:t>
-            </a:r>
-            <a:r>
-              <a:rPr lang="pt-PT" dirty="0">
-                <a:solidFill>
-                  <a:schemeClr val="bg1"/>
-                </a:solidFill>
-              </a:rPr>
+            <a:r>
+              <a:rPr lang="pt-PT" dirty="0"/>
+              <a:t>Modelos testados:</a:t>
+            </a:r>
+          </a:p>
+          <a:p>
+            <a:pPr lvl="1"/>
+            <a:r>
+              <a:rPr lang="pt-PT" dirty="0" err="1"/>
+              <a:t>Multiple</a:t>
+            </a:r>
+            <a:r>
+              <a:rPr lang="pt-PT" dirty="0"/>
+              <a:t> Linear </a:t>
+            </a:r>
+            <a:r>
+              <a:rPr lang="pt-PT" dirty="0" err="1"/>
+              <a:t>Regression</a:t>
+            </a:r>
+            <a:endParaRPr lang="pt-PT" dirty="0"/>
+          </a:p>
+          <a:p>
+            <a:pPr lvl="1"/>
+            <a:r>
+              <a:rPr lang="pt-PT" dirty="0" err="1"/>
+              <a:t>Ridge</a:t>
+            </a:r>
+            <a:r>
+              <a:rPr lang="pt-PT" dirty="0"/>
               <a:t> </a:t>
             </a:r>
             <a:r>
-              <a:rPr lang="pt-PT" dirty="0" err="1">
-                <a:solidFill>
-                  <a:schemeClr val="bg1"/>
-                </a:solidFill>
-              </a:rPr>
-              <a:t>Mean</a:t>
-            </a:r>
-            <a:r>
-              <a:rPr lang="pt-PT" dirty="0">
-                <a:solidFill>
-                  <a:schemeClr val="bg1"/>
-                </a:solidFill>
-              </a:rPr>
+              <a:rPr lang="pt-PT" dirty="0" err="1"/>
+              <a:t>Regression</a:t>
+            </a:r>
+            <a:endParaRPr lang="pt-PT" dirty="0"/>
+          </a:p>
+          <a:p>
+            <a:pPr lvl="1"/>
+            <a:r>
+              <a:rPr lang="pt-PT" dirty="0"/>
+              <a:t>Lasso </a:t>
+            </a:r>
+            <a:r>
+              <a:rPr lang="pt-PT" dirty="0" err="1"/>
+              <a:t>Regression</a:t>
+            </a:r>
+            <a:endParaRPr lang="pt-PT" dirty="0"/>
+          </a:p>
+          <a:p>
+            <a:pPr lvl="1"/>
+            <a:r>
+              <a:rPr lang="pt-PT" dirty="0" err="1"/>
+              <a:t>Cart</a:t>
+            </a:r>
+            <a:r>
+              <a:rPr lang="pt-PT" dirty="0"/>
               <a:t> </a:t>
             </a:r>
             <a:r>
-              <a:rPr lang="pt-PT" dirty="0" err="1">
-                <a:solidFill>
-                  <a:schemeClr val="bg1"/>
-                </a:solidFill>
-              </a:rPr>
-              <a:t>Squared</a:t>
-            </a:r>
-            <a:r>
-              <a:rPr lang="pt-PT" dirty="0">
-                <a:solidFill>
-                  <a:schemeClr val="bg1"/>
-                </a:solidFill>
-              </a:rPr>
-              <a:t> Error, R-</a:t>
-            </a:r>
-            <a:r>
-              <a:rPr lang="pt-PT" dirty="0" err="1">
-                <a:solidFill>
-                  <a:schemeClr val="bg1"/>
-                </a:solidFill>
-              </a:rPr>
-              <a:t>square</a:t>
-            </a:r>
-            <a:r>
-              <a:rPr lang="pt-PT" dirty="0">
-                <a:solidFill>
-                  <a:schemeClr val="bg1"/>
-                </a:solidFill>
-              </a:rPr>
-              <a:t> e </a:t>
-            </a:r>
-            <a:r>
-              <a:rPr lang="pt-PT" dirty="0" err="1">
-                <a:solidFill>
-                  <a:schemeClr val="bg1"/>
-                </a:solidFill>
-              </a:rPr>
-              <a:t>Mean</a:t>
-            </a:r>
-            <a:r>
-              <a:rPr lang="pt-PT" dirty="0">
-                <a:solidFill>
-                  <a:schemeClr val="bg1"/>
-                </a:solidFill>
-              </a:rPr>
-              <a:t> </a:t>
-            </a:r>
-            <a:r>
-              <a:rPr lang="pt-PT" dirty="0" err="1">
-                <a:solidFill>
-                  <a:schemeClr val="bg1"/>
-                </a:solidFill>
-              </a:rPr>
-              <a:t>absolute</a:t>
-            </a:r>
-            <a:r>
-              <a:rPr lang="pt-PT" dirty="0">
-                <a:solidFill>
-                  <a:schemeClr val="bg1"/>
-                </a:solidFill>
-              </a:rPr>
-              <a:t> Error.</a:t>
-            </a:r>
-          </a:p>
-          <a:p>
-            <a:pPr marL="0" indent="0">
-              <a:buNone/>
-            </a:pPr>
-            <a:endParaRPr lang="pt-PT" dirty="0">
-              <a:solidFill>
-                <a:schemeClr val="bg1"/>
-              </a:solidFill>
-            </a:endParaRPr>
-          </a:p>
-          <a:p>
-            <a:pPr marL="0" indent="0">
-              <a:buNone/>
-            </a:pPr>
-            <a:endParaRPr lang="pt-PT" dirty="0">
-              <a:solidFill>
-                <a:schemeClr val="bg1"/>
-              </a:solidFill>
-            </a:endParaRPr>
-          </a:p>
-        </p:txBody>
-      </p:sp>
-      <p:pic>
-        <p:nvPicPr>
-          <p:cNvPr id="5" name="Imagem 4" descr="Uma imagem com texto&#10;&#10;Descrição gerada automaticamente">
-            <a:extLst>
-              <a:ext uri="{FF2B5EF4-FFF2-40B4-BE49-F238E27FC236}">
-                <a16:creationId xmlns:a16="http://schemas.microsoft.com/office/drawing/2014/main" id="{D7C1C199-54EE-77B4-60A0-2A8A01BA92C1}"/>
-              </a:ext>
-            </a:extLst>
-          </p:cNvPr>
-          <p:cNvPicPr>
-            <a:picLocks noChangeAspect="1"/>
-          </p:cNvPicPr>
-          <p:nvPr/>
-        </p:nvPicPr>
-        <p:blipFill>
-          <a:blip r:embed="rId3"/>
-          <a:stretch>
-            <a:fillRect/>
-          </a:stretch>
-        </p:blipFill>
-        <p:spPr>
-          <a:xfrm>
-            <a:off x="8119870" y="2479991"/>
-            <a:ext cx="3428662" cy="1697187"/>
-          </a:xfrm>
-          <a:prstGeom prst="rect">
-            <a:avLst/>
-          </a:prstGeom>
-        </p:spPr>
-      </p:pic>
+              <a:rPr lang="pt-PT" dirty="0" err="1"/>
+              <a:t>Trees</a:t>
+            </a:r>
+            <a:endParaRPr lang="pt-PT" dirty="0"/>
+          </a:p>
+          <a:p>
+            <a:pPr lvl="1"/>
+            <a:r>
+              <a:rPr lang="pt-PT" dirty="0"/>
+              <a:t>KNN</a:t>
+            </a:r>
+          </a:p>
+        </p:txBody>
+      </p:sp>
     </p:spTree>
     <p:extLst>
       <p:ext uri="{BB962C8B-B14F-4D97-AF65-F5344CB8AC3E}">
-        <p14:creationId xmlns:p14="http://schemas.microsoft.com/office/powerpoint/2010/main" val="1715996831"/>
+        <p14:creationId xmlns:p14="http://schemas.microsoft.com/office/powerpoint/2010/main" val="3475823673"/>
       </p:ext>
     </p:extLst>
   </p:cSld>
